--- a/less-2-变量.pptx
+++ b/less-2-变量.pptx
@@ -5,17 +5,19 @@
     <p:sldMasterId id="2147483648" r:id="rId1"/>
   </p:sldMasterIdLst>
   <p:notesMasterIdLst>
-    <p:notesMasterId r:id="rId10"/>
+    <p:notesMasterId r:id="rId12"/>
   </p:notesMasterIdLst>
   <p:sldIdLst>
     <p:sldId id="256" r:id="rId2"/>
     <p:sldId id="565" r:id="rId3"/>
     <p:sldId id="564" r:id="rId4"/>
-    <p:sldId id="566" r:id="rId5"/>
-    <p:sldId id="567" r:id="rId6"/>
-    <p:sldId id="568" r:id="rId7"/>
-    <p:sldId id="569" r:id="rId8"/>
-    <p:sldId id="570" r:id="rId9"/>
+    <p:sldId id="571" r:id="rId5"/>
+    <p:sldId id="566" r:id="rId6"/>
+    <p:sldId id="572" r:id="rId7"/>
+    <p:sldId id="568" r:id="rId8"/>
+    <p:sldId id="569" r:id="rId9"/>
+    <p:sldId id="570" r:id="rId10"/>
+    <p:sldId id="573" r:id="rId11"/>
   </p:sldIdLst>
   <p:sldSz cx="9144000" cy="6858000" type="screen4x3"/>
   <p:notesSz cx="6858000" cy="9144000"/>
@@ -116,7 +118,7 @@
   </p:defaultTextStyle>
   <p:extLst>
     <p:ext uri="{EFAFB233-063F-42B5-8137-9DF3F51BA10A}">
-      <p15:sldGuideLst xmlns:p15="http://schemas.microsoft.com/office/powerpoint/2012/main" xmlns="">
+      <p15:sldGuideLst xmlns="" xmlns:p15="http://schemas.microsoft.com/office/powerpoint/2012/main">
         <p15:guide id="1" orient="horz" pos="2160">
           <p15:clr>
             <a:srgbClr val="A4A3A4"/>
@@ -215,7 +217,7 @@
           <a:p>
             <a:fld id="{918C987C-5DAD-4601-B625-55A3208473B0}" type="datetimeFigureOut">
               <a:rPr lang="zh-CN" altLang="en-US" smtClean="0"/>
-              <a:t>2018/12/6</a:t>
+              <a:t>2018/12/11</a:t>
             </a:fld>
             <a:endParaRPr lang="zh-CN" altLang="en-US"/>
           </a:p>
@@ -664,7 +666,7 @@
           <a:p>
             <a:fld id="{17C7C8FB-1C37-4023-AA22-09D5A8E13DCF}" type="datetimeFigureOut">
               <a:rPr lang="zh-CN" altLang="en-US" smtClean="0"/>
-              <a:t>2018/12/6</a:t>
+              <a:t>2018/12/11</a:t>
             </a:fld>
             <a:endParaRPr lang="zh-CN" altLang="en-US"/>
           </a:p>
@@ -834,7 +836,7 @@
           <a:p>
             <a:fld id="{17C7C8FB-1C37-4023-AA22-09D5A8E13DCF}" type="datetimeFigureOut">
               <a:rPr lang="zh-CN" altLang="en-US" smtClean="0"/>
-              <a:t>2018/12/6</a:t>
+              <a:t>2018/12/11</a:t>
             </a:fld>
             <a:endParaRPr lang="zh-CN" altLang="en-US"/>
           </a:p>
@@ -1014,7 +1016,7 @@
           <a:p>
             <a:fld id="{17C7C8FB-1C37-4023-AA22-09D5A8E13DCF}" type="datetimeFigureOut">
               <a:rPr lang="zh-CN" altLang="en-US" smtClean="0"/>
-              <a:t>2018/12/6</a:t>
+              <a:t>2018/12/11</a:t>
             </a:fld>
             <a:endParaRPr lang="zh-CN" altLang="en-US"/>
           </a:p>
@@ -1184,7 +1186,7 @@
           <a:p>
             <a:fld id="{17C7C8FB-1C37-4023-AA22-09D5A8E13DCF}" type="datetimeFigureOut">
               <a:rPr lang="zh-CN" altLang="en-US" smtClean="0"/>
-              <a:t>2018/12/6</a:t>
+              <a:t>2018/12/11</a:t>
             </a:fld>
             <a:endParaRPr lang="zh-CN" altLang="en-US"/>
           </a:p>
@@ -1430,7 +1432,7 @@
           <a:p>
             <a:fld id="{17C7C8FB-1C37-4023-AA22-09D5A8E13DCF}" type="datetimeFigureOut">
               <a:rPr lang="zh-CN" altLang="en-US" smtClean="0"/>
-              <a:t>2018/12/6</a:t>
+              <a:t>2018/12/11</a:t>
             </a:fld>
             <a:endParaRPr lang="zh-CN" altLang="en-US"/>
           </a:p>
@@ -1718,7 +1720,7 @@
           <a:p>
             <a:fld id="{17C7C8FB-1C37-4023-AA22-09D5A8E13DCF}" type="datetimeFigureOut">
               <a:rPr lang="zh-CN" altLang="en-US" smtClean="0"/>
-              <a:t>2018/12/6</a:t>
+              <a:t>2018/12/11</a:t>
             </a:fld>
             <a:endParaRPr lang="zh-CN" altLang="en-US"/>
           </a:p>
@@ -2140,7 +2142,7 @@
           <a:p>
             <a:fld id="{17C7C8FB-1C37-4023-AA22-09D5A8E13DCF}" type="datetimeFigureOut">
               <a:rPr lang="zh-CN" altLang="en-US" smtClean="0"/>
-              <a:t>2018/12/6</a:t>
+              <a:t>2018/12/11</a:t>
             </a:fld>
             <a:endParaRPr lang="zh-CN" altLang="en-US"/>
           </a:p>
@@ -2258,7 +2260,7 @@
           <a:p>
             <a:fld id="{17C7C8FB-1C37-4023-AA22-09D5A8E13DCF}" type="datetimeFigureOut">
               <a:rPr lang="zh-CN" altLang="en-US" smtClean="0"/>
-              <a:t>2018/12/6</a:t>
+              <a:t>2018/12/11</a:t>
             </a:fld>
             <a:endParaRPr lang="zh-CN" altLang="en-US"/>
           </a:p>
@@ -2353,7 +2355,7 @@
           <a:p>
             <a:fld id="{17C7C8FB-1C37-4023-AA22-09D5A8E13DCF}" type="datetimeFigureOut">
               <a:rPr lang="zh-CN" altLang="en-US" smtClean="0"/>
-              <a:t>2018/12/6</a:t>
+              <a:t>2018/12/11</a:t>
             </a:fld>
             <a:endParaRPr lang="zh-CN" altLang="en-US"/>
           </a:p>
@@ -2630,7 +2632,7 @@
           <a:p>
             <a:fld id="{17C7C8FB-1C37-4023-AA22-09D5A8E13DCF}" type="datetimeFigureOut">
               <a:rPr lang="zh-CN" altLang="en-US" smtClean="0"/>
-              <a:t>2018/12/6</a:t>
+              <a:t>2018/12/11</a:t>
             </a:fld>
             <a:endParaRPr lang="zh-CN" altLang="en-US"/>
           </a:p>
@@ -2883,7 +2885,7 @@
           <a:p>
             <a:fld id="{17C7C8FB-1C37-4023-AA22-09D5A8E13DCF}" type="datetimeFigureOut">
               <a:rPr lang="zh-CN" altLang="en-US" smtClean="0"/>
-              <a:t>2018/12/6</a:t>
+              <a:t>2018/12/11</a:t>
             </a:fld>
             <a:endParaRPr lang="zh-CN" altLang="en-US"/>
           </a:p>
@@ -3096,7 +3098,7 @@
           <a:p>
             <a:fld id="{17C7C8FB-1C37-4023-AA22-09D5A8E13DCF}" type="datetimeFigureOut">
               <a:rPr lang="zh-CN" altLang="en-US" smtClean="0"/>
-              <a:t>2018/12/6</a:t>
+              <a:t>2018/12/11</a:t>
             </a:fld>
             <a:endParaRPr lang="zh-CN" altLang="en-US"/>
           </a:p>
@@ -3637,6 +3639,661 @@
 </p:sld>
 </file>
 
+<file path=ppt/slides/slide10.xml><?xml version="1.0" encoding="utf-8"?>
+<p:sld xmlns:a="http://schemas.openxmlformats.org/drawingml/2006/main" xmlns:r="http://schemas.openxmlformats.org/officeDocument/2006/relationships" xmlns:p="http://schemas.openxmlformats.org/presentationml/2006/main">
+  <p:cSld>
+    <p:spTree>
+      <p:nvGrpSpPr>
+        <p:cNvPr id="1" name=""/>
+        <p:cNvGrpSpPr/>
+        <p:nvPr/>
+      </p:nvGrpSpPr>
+      <p:grpSpPr>
+        <a:xfrm>
+          <a:off x="0" y="0"/>
+          <a:ext cx="0" cy="0"/>
+          <a:chOff x="0" y="0"/>
+          <a:chExt cx="0" cy="0"/>
+        </a:xfrm>
+      </p:grpSpPr>
+      <p:sp>
+        <p:nvSpPr>
+          <p:cNvPr id="4" name="TextBox 3"/>
+          <p:cNvSpPr txBox="1"/>
+          <p:nvPr/>
+        </p:nvSpPr>
+        <p:spPr>
+          <a:xfrm>
+            <a:off x="684000" y="116632"/>
+            <a:ext cx="7776000" cy="523220"/>
+          </a:xfrm>
+          <a:prstGeom prst="rect">
+            <a:avLst/>
+          </a:prstGeom>
+          <a:noFill/>
+        </p:spPr>
+        <p:txBody>
+          <a:bodyPr wrap="square" rtlCol="0">
+            <a:spAutoFit/>
+          </a:bodyPr>
+          <a:lstStyle/>
+          <a:p>
+            <a:r>
+              <a:rPr lang="en-US" altLang="zh-CN" sz="2800" b="1" dirty="0" smtClean="0">
+                <a:solidFill>
+                  <a:schemeClr val="tx1">
+                    <a:lumMod val="75000"/>
+                    <a:lumOff val="25000"/>
+                  </a:schemeClr>
+                </a:solidFill>
+                <a:latin typeface="微软雅黑" pitchFamily="34" charset="-122"/>
+                <a:ea typeface="微软雅黑" pitchFamily="34" charset="-122"/>
+              </a:rPr>
+              <a:t>8</a:t>
+            </a:r>
+            <a:r>
+              <a:rPr lang="en-US" altLang="zh-CN" sz="2800" b="1" dirty="0" smtClean="0">
+                <a:solidFill>
+                  <a:schemeClr val="tx1">
+                    <a:lumMod val="75000"/>
+                    <a:lumOff val="25000"/>
+                  </a:schemeClr>
+                </a:solidFill>
+                <a:latin typeface="微软雅黑" pitchFamily="34" charset="-122"/>
+                <a:ea typeface="微软雅黑" pitchFamily="34" charset="-122"/>
+              </a:rPr>
+              <a:t>.</a:t>
+            </a:r>
+            <a:r>
+              <a:rPr lang="zh-CN" altLang="en-US" sz="2800" b="1" dirty="0" smtClean="0">
+                <a:solidFill>
+                  <a:schemeClr val="tx1">
+                    <a:lumMod val="75000"/>
+                    <a:lumOff val="25000"/>
+                  </a:schemeClr>
+                </a:solidFill>
+                <a:latin typeface="微软雅黑" pitchFamily="34" charset="-122"/>
+                <a:ea typeface="微软雅黑" pitchFamily="34" charset="-122"/>
+              </a:rPr>
+              <a:t>禁止编译</a:t>
+            </a:r>
+            <a:endParaRPr lang="zh-CN" altLang="en-US" sz="2800" b="1" dirty="0">
+              <a:solidFill>
+                <a:schemeClr val="tx1">
+                  <a:lumMod val="75000"/>
+                  <a:lumOff val="25000"/>
+                </a:schemeClr>
+              </a:solidFill>
+              <a:latin typeface="微软雅黑" pitchFamily="34" charset="-122"/>
+              <a:ea typeface="微软雅黑" pitchFamily="34" charset="-122"/>
+            </a:endParaRPr>
+          </a:p>
+        </p:txBody>
+      </p:sp>
+      <p:sp>
+        <p:nvSpPr>
+          <p:cNvPr id="2" name="TextBox 1"/>
+          <p:cNvSpPr txBox="1"/>
+          <p:nvPr/>
+        </p:nvSpPr>
+        <p:spPr>
+          <a:xfrm>
+            <a:off x="684000" y="548680"/>
+            <a:ext cx="7776000" cy="1200329"/>
+          </a:xfrm>
+          <a:prstGeom prst="rect">
+            <a:avLst/>
+          </a:prstGeom>
+          <a:noFill/>
+        </p:spPr>
+        <p:txBody>
+          <a:bodyPr wrap="square" rtlCol="0">
+            <a:spAutoFit/>
+          </a:bodyPr>
+          <a:lstStyle/>
+          <a:p>
+            <a:pPr>
+              <a:lnSpc>
+                <a:spcPct val="150000"/>
+              </a:lnSpc>
+            </a:pPr>
+            <a:r>
+              <a:rPr lang="zh-CN" altLang="en-US" sz="2400" dirty="0" smtClean="0">
+                <a:solidFill>
+                  <a:schemeClr val="tx1">
+                    <a:lumMod val="75000"/>
+                    <a:lumOff val="25000"/>
+                  </a:schemeClr>
+                </a:solidFill>
+                <a:latin typeface="微软雅黑" pitchFamily="34" charset="-122"/>
+                <a:ea typeface="微软雅黑" pitchFamily="34" charset="-122"/>
+              </a:rPr>
+              <a:t>通过给字符串添加</a:t>
+            </a:r>
+            <a:r>
+              <a:rPr lang="en-US" altLang="zh-CN" sz="2400" dirty="0" smtClean="0">
+                <a:solidFill>
+                  <a:schemeClr val="tx1">
+                    <a:lumMod val="75000"/>
+                    <a:lumOff val="25000"/>
+                  </a:schemeClr>
+                </a:solidFill>
+                <a:latin typeface="微软雅黑" pitchFamily="34" charset="-122"/>
+                <a:ea typeface="微软雅黑" pitchFamily="34" charset="-122"/>
+              </a:rPr>
+              <a:t>~</a:t>
+            </a:r>
+            <a:r>
+              <a:rPr lang="zh-CN" altLang="en-US" sz="2400" dirty="0" smtClean="0">
+                <a:solidFill>
+                  <a:schemeClr val="tx1">
+                    <a:lumMod val="75000"/>
+                    <a:lumOff val="25000"/>
+                  </a:schemeClr>
+                </a:solidFill>
+                <a:latin typeface="微软雅黑" pitchFamily="34" charset="-122"/>
+                <a:ea typeface="微软雅黑" pitchFamily="34" charset="-122"/>
+              </a:rPr>
+              <a:t>符号，可以禁止对该字符串的编译</a:t>
+            </a:r>
+            <a:r>
+              <a:rPr lang="en-US" altLang="zh-CN" sz="2400" dirty="0" smtClean="0">
+                <a:solidFill>
+                  <a:schemeClr val="tx1">
+                    <a:lumMod val="75000"/>
+                    <a:lumOff val="25000"/>
+                  </a:schemeClr>
+                </a:solidFill>
+                <a:latin typeface="微软雅黑" pitchFamily="34" charset="-122"/>
+                <a:ea typeface="微软雅黑" pitchFamily="34" charset="-122"/>
+              </a:rPr>
+              <a:t>.</a:t>
+            </a:r>
+          </a:p>
+          <a:p>
+            <a:pPr>
+              <a:lnSpc>
+                <a:spcPct val="150000"/>
+              </a:lnSpc>
+            </a:pPr>
+            <a:r>
+              <a:rPr lang="zh-CN" altLang="en-US" sz="2400" dirty="0" smtClean="0">
+                <a:solidFill>
+                  <a:schemeClr val="tx1">
+                    <a:lumMod val="75000"/>
+                    <a:lumOff val="25000"/>
+                  </a:schemeClr>
+                </a:solidFill>
+                <a:latin typeface="微软雅黑" pitchFamily="34" charset="-122"/>
+                <a:ea typeface="微软雅黑" pitchFamily="34" charset="-122"/>
+              </a:rPr>
+              <a:t>如 </a:t>
+            </a:r>
+            <a:r>
+              <a:rPr lang="en-US" altLang="zh-CN" sz="2400" dirty="0" smtClean="0">
+                <a:solidFill>
+                  <a:schemeClr val="tx1">
+                    <a:lumMod val="75000"/>
+                    <a:lumOff val="25000"/>
+                  </a:schemeClr>
+                </a:solidFill>
+                <a:latin typeface="微软雅黑" pitchFamily="34" charset="-122"/>
+                <a:ea typeface="微软雅黑" pitchFamily="34" charset="-122"/>
+              </a:rPr>
+              <a:t>~</a:t>
+            </a:r>
+            <a:r>
+              <a:rPr lang="zh-CN" altLang="en-US" sz="2400" dirty="0" smtClean="0">
+                <a:solidFill>
+                  <a:schemeClr val="tx1">
+                    <a:lumMod val="75000"/>
+                    <a:lumOff val="25000"/>
+                  </a:schemeClr>
+                </a:solidFill>
+                <a:latin typeface="微软雅黑" pitchFamily="34" charset="-122"/>
+                <a:ea typeface="微软雅黑" pitchFamily="34" charset="-122"/>
+              </a:rPr>
+              <a:t>“</a:t>
+            </a:r>
+            <a:r>
+              <a:rPr lang="en-US" altLang="zh-CN" sz="2400" dirty="0" smtClean="0">
+                <a:solidFill>
+                  <a:schemeClr val="tx1">
+                    <a:lumMod val="75000"/>
+                    <a:lumOff val="25000"/>
+                  </a:schemeClr>
+                </a:solidFill>
+                <a:latin typeface="微软雅黑" pitchFamily="34" charset="-122"/>
+                <a:ea typeface="微软雅黑" pitchFamily="34" charset="-122"/>
+              </a:rPr>
+              <a:t>anything</a:t>
+            </a:r>
+            <a:r>
+              <a:rPr lang="zh-CN" altLang="en-US" sz="2400" dirty="0" smtClean="0">
+                <a:solidFill>
+                  <a:schemeClr val="tx1">
+                    <a:lumMod val="75000"/>
+                    <a:lumOff val="25000"/>
+                  </a:schemeClr>
+                </a:solidFill>
+                <a:latin typeface="微软雅黑" pitchFamily="34" charset="-122"/>
+                <a:ea typeface="微软雅黑" pitchFamily="34" charset="-122"/>
+              </a:rPr>
+              <a:t>”</a:t>
+            </a:r>
+            <a:r>
+              <a:rPr lang="zh-CN" altLang="en-US" sz="2400" dirty="0" smtClean="0">
+                <a:solidFill>
+                  <a:schemeClr val="tx1">
+                    <a:lumMod val="75000"/>
+                    <a:lumOff val="25000"/>
+                  </a:schemeClr>
+                </a:solidFill>
+                <a:latin typeface="微软雅黑" pitchFamily="34" charset="-122"/>
+                <a:ea typeface="微软雅黑" pitchFamily="34" charset="-122"/>
+              </a:rPr>
+              <a:t>或</a:t>
+            </a:r>
+            <a:r>
+              <a:rPr lang="en-US" altLang="zh-CN" sz="2400" dirty="0" smtClean="0">
+                <a:solidFill>
+                  <a:schemeClr val="tx1">
+                    <a:lumMod val="75000"/>
+                    <a:lumOff val="25000"/>
+                  </a:schemeClr>
+                </a:solidFill>
+                <a:latin typeface="微软雅黑" pitchFamily="34" charset="-122"/>
+                <a:ea typeface="微软雅黑" pitchFamily="34" charset="-122"/>
+              </a:rPr>
+              <a:t>~’anything’</a:t>
+            </a:r>
+            <a:endParaRPr lang="en-US" altLang="zh-CN" sz="2400" dirty="0" smtClean="0">
+              <a:solidFill>
+                <a:schemeClr val="tx1">
+                  <a:lumMod val="75000"/>
+                  <a:lumOff val="25000"/>
+                </a:schemeClr>
+              </a:solidFill>
+              <a:latin typeface="微软雅黑" pitchFamily="34" charset="-122"/>
+              <a:ea typeface="微软雅黑" pitchFamily="34" charset="-122"/>
+            </a:endParaRPr>
+          </a:p>
+        </p:txBody>
+      </p:sp>
+      <p:pic>
+        <p:nvPicPr>
+          <p:cNvPr id="5" name="图片 4" descr="屏幕剪辑"/>
+          <p:cNvPicPr>
+            <a:picLocks noChangeAspect="1"/>
+          </p:cNvPicPr>
+          <p:nvPr/>
+        </p:nvPicPr>
+        <p:blipFill>
+          <a:blip r:embed="rId2">
+            <a:extLst>
+              <a:ext uri="{28A0092B-C50C-407E-A947-70E740481C1C}">
+                <a14:useLocalDpi xmlns:a14="http://schemas.microsoft.com/office/drawing/2010/main" val="0"/>
+              </a:ext>
+            </a:extLst>
+          </a:blip>
+          <a:stretch>
+            <a:fillRect/>
+          </a:stretch>
+        </p:blipFill>
+        <p:spPr>
+          <a:xfrm>
+            <a:off x="827584" y="1700808"/>
+            <a:ext cx="3991532" cy="2105319"/>
+          </a:xfrm>
+          <a:prstGeom prst="rect">
+            <a:avLst/>
+          </a:prstGeom>
+          <a:ln>
+            <a:noFill/>
+          </a:ln>
+          <a:effectLst>
+            <a:outerShdw blurRad="292100" dist="139700" dir="2700000" algn="tl" rotWithShape="0">
+              <a:srgbClr val="333333">
+                <a:alpha val="65000"/>
+              </a:srgbClr>
+            </a:outerShdw>
+          </a:effectLst>
+        </p:spPr>
+      </p:pic>
+      <p:pic>
+        <p:nvPicPr>
+          <p:cNvPr id="6" name="图片 5" descr="屏幕剪辑"/>
+          <p:cNvPicPr>
+            <a:picLocks noChangeAspect="1"/>
+          </p:cNvPicPr>
+          <p:nvPr/>
+        </p:nvPicPr>
+        <p:blipFill>
+          <a:blip r:embed="rId3">
+            <a:extLst>
+              <a:ext uri="{28A0092B-C50C-407E-A947-70E740481C1C}">
+                <a14:useLocalDpi xmlns:a14="http://schemas.microsoft.com/office/drawing/2010/main" val="0"/>
+              </a:ext>
+            </a:extLst>
+          </a:blip>
+          <a:stretch>
+            <a:fillRect/>
+          </a:stretch>
+        </p:blipFill>
+        <p:spPr>
+          <a:xfrm>
+            <a:off x="4935258" y="1881808"/>
+            <a:ext cx="3524742" cy="1743318"/>
+          </a:xfrm>
+          <a:prstGeom prst="rect">
+            <a:avLst/>
+          </a:prstGeom>
+          <a:ln>
+            <a:noFill/>
+          </a:ln>
+          <a:effectLst>
+            <a:outerShdw blurRad="292100" dist="139700" dir="2700000" algn="tl" rotWithShape="0">
+              <a:srgbClr val="333333">
+                <a:alpha val="65000"/>
+              </a:srgbClr>
+            </a:outerShdw>
+          </a:effectLst>
+        </p:spPr>
+      </p:pic>
+      <p:pic>
+        <p:nvPicPr>
+          <p:cNvPr id="7" name="图片 6" descr="屏幕剪辑"/>
+          <p:cNvPicPr>
+            <a:picLocks noChangeAspect="1"/>
+          </p:cNvPicPr>
+          <p:nvPr/>
+        </p:nvPicPr>
+        <p:blipFill>
+          <a:blip r:embed="rId4">
+            <a:extLst>
+              <a:ext uri="{28A0092B-C50C-407E-A947-70E740481C1C}">
+                <a14:useLocalDpi xmlns:a14="http://schemas.microsoft.com/office/drawing/2010/main" val="0"/>
+              </a:ext>
+            </a:extLst>
+          </a:blip>
+          <a:stretch>
+            <a:fillRect/>
+          </a:stretch>
+        </p:blipFill>
+        <p:spPr>
+          <a:xfrm>
+            <a:off x="827584" y="4005064"/>
+            <a:ext cx="3191320" cy="1476581"/>
+          </a:xfrm>
+          <a:prstGeom prst="rect">
+            <a:avLst/>
+          </a:prstGeom>
+          <a:ln>
+            <a:noFill/>
+          </a:ln>
+          <a:effectLst>
+            <a:outerShdw blurRad="292100" dist="139700" dir="2700000" algn="tl" rotWithShape="0">
+              <a:srgbClr val="333333">
+                <a:alpha val="65000"/>
+              </a:srgbClr>
+            </a:outerShdw>
+          </a:effectLst>
+        </p:spPr>
+      </p:pic>
+      <p:pic>
+        <p:nvPicPr>
+          <p:cNvPr id="8" name="图片 7" descr="屏幕剪辑"/>
+          <p:cNvPicPr>
+            <a:picLocks noChangeAspect="1"/>
+          </p:cNvPicPr>
+          <p:nvPr/>
+        </p:nvPicPr>
+        <p:blipFill>
+          <a:blip r:embed="rId5">
+            <a:extLst>
+              <a:ext uri="{28A0092B-C50C-407E-A947-70E740481C1C}">
+                <a14:useLocalDpi xmlns:a14="http://schemas.microsoft.com/office/drawing/2010/main" val="0"/>
+              </a:ext>
+            </a:extLst>
+          </a:blip>
+          <a:stretch>
+            <a:fillRect/>
+          </a:stretch>
+        </p:blipFill>
+        <p:spPr>
+          <a:xfrm>
+            <a:off x="4567485" y="4005064"/>
+            <a:ext cx="3772426" cy="1028844"/>
+          </a:xfrm>
+          <a:prstGeom prst="rect">
+            <a:avLst/>
+          </a:prstGeom>
+          <a:ln>
+            <a:noFill/>
+          </a:ln>
+          <a:effectLst>
+            <a:outerShdw blurRad="292100" dist="139700" dir="2700000" algn="tl" rotWithShape="0">
+              <a:srgbClr val="333333">
+                <a:alpha val="65000"/>
+              </a:srgbClr>
+            </a:outerShdw>
+          </a:effectLst>
+        </p:spPr>
+      </p:pic>
+      <p:pic>
+        <p:nvPicPr>
+          <p:cNvPr id="9" name="图片 8" descr="屏幕剪辑"/>
+          <p:cNvPicPr>
+            <a:picLocks noChangeAspect="1"/>
+          </p:cNvPicPr>
+          <p:nvPr/>
+        </p:nvPicPr>
+        <p:blipFill>
+          <a:blip r:embed="rId6">
+            <a:extLst>
+              <a:ext uri="{28A0092B-C50C-407E-A947-70E740481C1C}">
+                <a14:useLocalDpi xmlns:a14="http://schemas.microsoft.com/office/drawing/2010/main" val="0"/>
+              </a:ext>
+            </a:extLst>
+          </a:blip>
+          <a:stretch>
+            <a:fillRect/>
+          </a:stretch>
+        </p:blipFill>
+        <p:spPr>
+          <a:xfrm>
+            <a:off x="4960891" y="5805264"/>
+            <a:ext cx="2772162" cy="790685"/>
+          </a:xfrm>
+          <a:prstGeom prst="rect">
+            <a:avLst/>
+          </a:prstGeom>
+          <a:ln>
+            <a:noFill/>
+          </a:ln>
+          <a:effectLst>
+            <a:outerShdw blurRad="292100" dist="139700" dir="2700000" algn="tl" rotWithShape="0">
+              <a:srgbClr val="333333">
+                <a:alpha val="65000"/>
+              </a:srgbClr>
+            </a:outerShdw>
+          </a:effectLst>
+        </p:spPr>
+      </p:pic>
+      <p:pic>
+        <p:nvPicPr>
+          <p:cNvPr id="10" name="图片 9" descr="屏幕剪辑"/>
+          <p:cNvPicPr>
+            <a:picLocks noChangeAspect="1"/>
+          </p:cNvPicPr>
+          <p:nvPr/>
+        </p:nvPicPr>
+        <p:blipFill>
+          <a:blip r:embed="rId7">
+            <a:extLst>
+              <a:ext uri="{28A0092B-C50C-407E-A947-70E740481C1C}">
+                <a14:useLocalDpi xmlns:a14="http://schemas.microsoft.com/office/drawing/2010/main" val="0"/>
+              </a:ext>
+            </a:extLst>
+          </a:blip>
+          <a:stretch>
+            <a:fillRect/>
+          </a:stretch>
+        </p:blipFill>
+        <p:spPr>
+          <a:xfrm>
+            <a:off x="1022873" y="5714763"/>
+            <a:ext cx="2800741" cy="971686"/>
+          </a:xfrm>
+          <a:prstGeom prst="rect">
+            <a:avLst/>
+          </a:prstGeom>
+          <a:ln>
+            <a:noFill/>
+          </a:ln>
+          <a:effectLst>
+            <a:outerShdw blurRad="292100" dist="139700" dir="2700000" algn="tl" rotWithShape="0">
+              <a:srgbClr val="333333">
+                <a:alpha val="65000"/>
+              </a:srgbClr>
+            </a:outerShdw>
+          </a:effectLst>
+        </p:spPr>
+      </p:pic>
+      <p:sp>
+        <p:nvSpPr>
+          <p:cNvPr id="11" name="右箭头 10"/>
+          <p:cNvSpPr/>
+          <p:nvPr/>
+        </p:nvSpPr>
+        <p:spPr>
+          <a:xfrm>
+            <a:off x="4055735" y="5777895"/>
+            <a:ext cx="576064" cy="762516"/>
+          </a:xfrm>
+          <a:prstGeom prst="rightArrow">
+            <a:avLst/>
+          </a:prstGeom>
+        </p:spPr>
+        <p:style>
+          <a:lnRef idx="1">
+            <a:schemeClr val="accent3"/>
+          </a:lnRef>
+          <a:fillRef idx="3">
+            <a:schemeClr val="accent3"/>
+          </a:fillRef>
+          <a:effectRef idx="2">
+            <a:schemeClr val="accent3"/>
+          </a:effectRef>
+          <a:fontRef idx="minor">
+            <a:schemeClr val="lt1"/>
+          </a:fontRef>
+        </p:style>
+        <p:txBody>
+          <a:bodyPr rtlCol="0" anchor="ctr"/>
+          <a:lstStyle/>
+          <a:p>
+            <a:pPr algn="ctr"/>
+            <a:endParaRPr lang="zh-CN" altLang="en-US"/>
+          </a:p>
+        </p:txBody>
+      </p:sp>
+      <p:sp>
+        <p:nvSpPr>
+          <p:cNvPr id="12" name="右箭头 11"/>
+          <p:cNvSpPr/>
+          <p:nvPr/>
+        </p:nvSpPr>
+        <p:spPr>
+          <a:xfrm>
+            <a:off x="3996314" y="4362096"/>
+            <a:ext cx="576064" cy="762516"/>
+          </a:xfrm>
+          <a:prstGeom prst="rightArrow">
+            <a:avLst/>
+          </a:prstGeom>
+        </p:spPr>
+        <p:style>
+          <a:lnRef idx="1">
+            <a:schemeClr val="accent3"/>
+          </a:lnRef>
+          <a:fillRef idx="3">
+            <a:schemeClr val="accent3"/>
+          </a:fillRef>
+          <a:effectRef idx="2">
+            <a:schemeClr val="accent3"/>
+          </a:effectRef>
+          <a:fontRef idx="minor">
+            <a:schemeClr val="lt1"/>
+          </a:fontRef>
+        </p:style>
+        <p:txBody>
+          <a:bodyPr rtlCol="0" anchor="ctr"/>
+          <a:lstStyle/>
+          <a:p>
+            <a:pPr algn="ctr"/>
+            <a:endParaRPr lang="zh-CN" altLang="en-US"/>
+          </a:p>
+        </p:txBody>
+      </p:sp>
+      <p:sp>
+        <p:nvSpPr>
+          <p:cNvPr id="13" name="右箭头 12"/>
+          <p:cNvSpPr/>
+          <p:nvPr/>
+        </p:nvSpPr>
+        <p:spPr>
+          <a:xfrm>
+            <a:off x="4531084" y="2372209"/>
+            <a:ext cx="576064" cy="762516"/>
+          </a:xfrm>
+          <a:prstGeom prst="rightArrow">
+            <a:avLst/>
+          </a:prstGeom>
+        </p:spPr>
+        <p:style>
+          <a:lnRef idx="1">
+            <a:schemeClr val="accent3"/>
+          </a:lnRef>
+          <a:fillRef idx="3">
+            <a:schemeClr val="accent3"/>
+          </a:fillRef>
+          <a:effectRef idx="2">
+            <a:schemeClr val="accent3"/>
+          </a:effectRef>
+          <a:fontRef idx="minor">
+            <a:schemeClr val="lt1"/>
+          </a:fontRef>
+        </p:style>
+        <p:txBody>
+          <a:bodyPr rtlCol="0" anchor="ctr"/>
+          <a:lstStyle/>
+          <a:p>
+            <a:pPr algn="ctr"/>
+            <a:endParaRPr lang="zh-CN" altLang="en-US"/>
+          </a:p>
+        </p:txBody>
+      </p:sp>
+    </p:spTree>
+    <p:extLst>
+      <p:ext uri="{BB962C8B-B14F-4D97-AF65-F5344CB8AC3E}">
+        <p14:creationId xmlns:p14="http://schemas.microsoft.com/office/powerpoint/2010/main" val="4198866620"/>
+      </p:ext>
+    </p:extLst>
+  </p:cSld>
+  <p:clrMapOvr>
+    <a:masterClrMapping/>
+  </p:clrMapOvr>
+  <p:timing>
+    <p:tnLst>
+      <p:par>
+        <p:cTn id="1" dur="indefinite" restart="never" nodeType="tmRoot"/>
+      </p:par>
+    </p:tnLst>
+  </p:timing>
+</p:sld>
+</file>
+
 <file path=ppt/slides/slide2.xml><?xml version="1.0" encoding="utf-8"?>
 <p:sld xmlns:a="http://schemas.openxmlformats.org/drawingml/2006/main" xmlns:r="http://schemas.openxmlformats.org/officeDocument/2006/relationships" xmlns:p="http://schemas.openxmlformats.org/presentationml/2006/main">
   <p:cSld>
@@ -4154,7 +4811,7 @@
         </p:nvSpPr>
         <p:spPr>
           <a:xfrm>
-            <a:off x="4716016" y="2708920"/>
+            <a:off x="4932040" y="2087652"/>
             <a:ext cx="792088" cy="762516"/>
           </a:xfrm>
           <a:prstGeom prst="rightArrow">
@@ -4260,9 +4917,78 @@
                 <a:latin typeface="微软雅黑" pitchFamily="34" charset="-122"/>
                 <a:ea typeface="微软雅黑" pitchFamily="34" charset="-122"/>
               </a:rPr>
-              <a:t>插入变量</a:t>
-            </a:r>
-            <a:endParaRPr lang="zh-CN" altLang="en-US" sz="2800" b="1" dirty="0">
+              <a:t>变量用于</a:t>
+            </a:r>
+            <a:r>
+              <a:rPr lang="zh-CN" altLang="en-US" sz="2800" b="1" dirty="0">
+                <a:solidFill>
+                  <a:schemeClr val="tx1">
+                    <a:lumMod val="75000"/>
+                    <a:lumOff val="25000"/>
+                  </a:schemeClr>
+                </a:solidFill>
+                <a:latin typeface="微软雅黑" pitchFamily="34" charset="-122"/>
+                <a:ea typeface="微软雅黑" pitchFamily="34" charset="-122"/>
+              </a:rPr>
+              <a:t>属性名</a:t>
+            </a:r>
+          </a:p>
+        </p:txBody>
+      </p:sp>
+      <p:sp>
+        <p:nvSpPr>
+          <p:cNvPr id="2" name="TextBox 1"/>
+          <p:cNvSpPr txBox="1"/>
+          <p:nvPr/>
+        </p:nvSpPr>
+        <p:spPr>
+          <a:xfrm>
+            <a:off x="684000" y="1052736"/>
+            <a:ext cx="7776000" cy="646331"/>
+          </a:xfrm>
+          <a:prstGeom prst="rect">
+            <a:avLst/>
+          </a:prstGeom>
+          <a:noFill/>
+        </p:spPr>
+        <p:txBody>
+          <a:bodyPr wrap="square" rtlCol="0">
+            <a:spAutoFit/>
+          </a:bodyPr>
+          <a:lstStyle/>
+          <a:p>
+            <a:pPr>
+              <a:lnSpc>
+                <a:spcPct val="150000"/>
+              </a:lnSpc>
+            </a:pPr>
+            <a:r>
+              <a:rPr lang="zh-CN" altLang="en-US" sz="2400" dirty="0" smtClean="0">
+                <a:solidFill>
+                  <a:schemeClr val="tx1">
+                    <a:lumMod val="75000"/>
+                    <a:lumOff val="25000"/>
+                  </a:schemeClr>
+                </a:solidFill>
+                <a:latin typeface="微软雅黑" pitchFamily="34" charset="-122"/>
+                <a:ea typeface="微软雅黑" pitchFamily="34" charset="-122"/>
+              </a:rPr>
+              <a:t>定义的变量不仅可以是属性值，也可以用于</a:t>
+            </a:r>
+            <a:r>
+              <a:rPr lang="zh-CN" altLang="en-US" sz="2400" b="1" dirty="0" smtClean="0">
+                <a:solidFill>
+                  <a:schemeClr val="tx1">
+                    <a:lumMod val="75000"/>
+                    <a:lumOff val="25000"/>
+                  </a:schemeClr>
+                </a:solidFill>
+                <a:latin typeface="微软雅黑" pitchFamily="34" charset="-122"/>
+                <a:ea typeface="微软雅黑" pitchFamily="34" charset="-122"/>
+              </a:rPr>
+              <a:t>属性名称</a:t>
+            </a:r>
+            <a:endParaRPr lang="en-US" altLang="zh-CN" sz="2400" b="1" dirty="0" smtClean="0">
               <a:solidFill>
                 <a:schemeClr val="tx1">
                   <a:lumMod val="75000"/>
@@ -4275,156 +5001,9 @@
           </a:p>
         </p:txBody>
       </p:sp>
-      <p:sp>
-        <p:nvSpPr>
-          <p:cNvPr id="2" name="TextBox 1"/>
-          <p:cNvSpPr txBox="1"/>
-          <p:nvPr/>
-        </p:nvSpPr>
-        <p:spPr>
-          <a:xfrm>
-            <a:off x="684000" y="1052736"/>
-            <a:ext cx="7776000" cy="1135054"/>
-          </a:xfrm>
-          <a:prstGeom prst="rect">
-            <a:avLst/>
-          </a:prstGeom>
-          <a:noFill/>
-        </p:spPr>
-        <p:txBody>
-          <a:bodyPr wrap="square" rtlCol="0">
-            <a:spAutoFit/>
-          </a:bodyPr>
-          <a:lstStyle/>
-          <a:p>
-            <a:pPr>
-              <a:lnSpc>
-                <a:spcPct val="150000"/>
-              </a:lnSpc>
-            </a:pPr>
-            <a:r>
-              <a:rPr lang="zh-CN" altLang="en-US" sz="2400" dirty="0" smtClean="0">
-                <a:solidFill>
-                  <a:schemeClr val="tx1">
-                    <a:lumMod val="75000"/>
-                    <a:lumOff val="25000"/>
-                  </a:schemeClr>
-                </a:solidFill>
-                <a:latin typeface="微软雅黑" pitchFamily="34" charset="-122"/>
-                <a:ea typeface="微软雅黑" pitchFamily="34" charset="-122"/>
-              </a:rPr>
-              <a:t>定义的变量不仅可以是样式，也可以用于</a:t>
-            </a:r>
-            <a:r>
-              <a:rPr lang="zh-CN" altLang="en-US" sz="2400" b="1" dirty="0" smtClean="0">
-                <a:solidFill>
-                  <a:schemeClr val="tx1">
-                    <a:lumMod val="75000"/>
-                    <a:lumOff val="25000"/>
-                  </a:schemeClr>
-                </a:solidFill>
-                <a:latin typeface="微软雅黑" pitchFamily="34" charset="-122"/>
-                <a:ea typeface="微软雅黑" pitchFamily="34" charset="-122"/>
-              </a:rPr>
-              <a:t>选择器，</a:t>
-            </a:r>
-            <a:r>
-              <a:rPr lang="en-US" altLang="zh-CN" sz="2400" b="1" dirty="0" smtClean="0">
-                <a:solidFill>
-                  <a:schemeClr val="tx1">
-                    <a:lumMod val="75000"/>
-                    <a:lumOff val="25000"/>
-                  </a:schemeClr>
-                </a:solidFill>
-                <a:latin typeface="微软雅黑" pitchFamily="34" charset="-122"/>
-                <a:ea typeface="微软雅黑" pitchFamily="34" charset="-122"/>
-              </a:rPr>
-              <a:t>URL</a:t>
-            </a:r>
-            <a:r>
-              <a:rPr lang="zh-CN" altLang="en-US" sz="2400" b="1" dirty="0" smtClean="0">
-                <a:solidFill>
-                  <a:schemeClr val="tx1">
-                    <a:lumMod val="75000"/>
-                    <a:lumOff val="25000"/>
-                  </a:schemeClr>
-                </a:solidFill>
-                <a:latin typeface="微软雅黑" pitchFamily="34" charset="-122"/>
-                <a:ea typeface="微软雅黑" pitchFamily="34" charset="-122"/>
-              </a:rPr>
-              <a:t>，</a:t>
-            </a:r>
-            <a:r>
-              <a:rPr lang="en-US" altLang="zh-CN" sz="2400" b="1" dirty="0" smtClean="0">
-                <a:solidFill>
-                  <a:schemeClr val="tx1">
-                    <a:lumMod val="75000"/>
-                    <a:lumOff val="25000"/>
-                  </a:schemeClr>
-                </a:solidFill>
-                <a:latin typeface="微软雅黑" pitchFamily="34" charset="-122"/>
-                <a:ea typeface="微软雅黑" pitchFamily="34" charset="-122"/>
-              </a:rPr>
-              <a:t>@import</a:t>
-            </a:r>
-            <a:r>
-              <a:rPr lang="zh-CN" altLang="en-US" sz="2400" dirty="0" smtClean="0">
-                <a:solidFill>
-                  <a:schemeClr val="tx1">
-                    <a:lumMod val="75000"/>
-                    <a:lumOff val="25000"/>
-                  </a:schemeClr>
-                </a:solidFill>
-                <a:latin typeface="微软雅黑" pitchFamily="34" charset="-122"/>
-                <a:ea typeface="微软雅黑" pitchFamily="34" charset="-122"/>
-              </a:rPr>
-              <a:t>这些地方</a:t>
-            </a:r>
-            <a:r>
-              <a:rPr lang="en-US" altLang="zh-CN" sz="2400" dirty="0" smtClean="0">
-                <a:solidFill>
-                  <a:schemeClr val="tx1">
-                    <a:lumMod val="75000"/>
-                    <a:lumOff val="25000"/>
-                  </a:schemeClr>
-                </a:solidFill>
-                <a:latin typeface="微软雅黑" pitchFamily="34" charset="-122"/>
-                <a:ea typeface="微软雅黑" pitchFamily="34" charset="-122"/>
-              </a:rPr>
-              <a:t>. </a:t>
-            </a:r>
-            <a:r>
-              <a:rPr lang="zh-CN" altLang="en-US" sz="2400" dirty="0" smtClean="0">
-                <a:solidFill>
-                  <a:schemeClr val="tx1">
-                    <a:lumMod val="75000"/>
-                    <a:lumOff val="25000"/>
-                  </a:schemeClr>
-                </a:solidFill>
-                <a:latin typeface="微软雅黑" pitchFamily="34" charset="-122"/>
-                <a:ea typeface="微软雅黑" pitchFamily="34" charset="-122"/>
-              </a:rPr>
-              <a:t>插入格式为  </a:t>
-            </a:r>
-            <a:r>
-              <a:rPr lang="en-US" altLang="zh-CN" sz="2400" b="1" dirty="0" smtClean="0">
-                <a:solidFill>
-                  <a:schemeClr val="tx1">
-                    <a:lumMod val="75000"/>
-                    <a:lumOff val="25000"/>
-                  </a:schemeClr>
-                </a:solidFill>
-                <a:latin typeface="微软雅黑" pitchFamily="34" charset="-122"/>
-                <a:ea typeface="微软雅黑" pitchFamily="34" charset="-122"/>
-              </a:rPr>
-              <a:t>@{name}</a:t>
-            </a:r>
-          </a:p>
-        </p:txBody>
-      </p:sp>
       <p:pic>
         <p:nvPicPr>
-          <p:cNvPr id="5" name="图片 4" descr="屏幕剪辑"/>
+          <p:cNvPr id="7" name="图片 6" descr="屏幕剪辑"/>
           <p:cNvPicPr>
             <a:picLocks noChangeAspect="1"/>
           </p:cNvPicPr>
@@ -4444,8 +5023,8 @@
         </p:blipFill>
         <p:spPr>
           <a:xfrm>
-            <a:off x="1029540" y="3289103"/>
-            <a:ext cx="6697010" cy="2495898"/>
+            <a:off x="1043608" y="2232042"/>
+            <a:ext cx="2781688" cy="1886213"/>
           </a:xfrm>
           <a:prstGeom prst="rect">
             <a:avLst/>
@@ -4462,58 +5041,88 @@
           </a:effectLst>
         </p:spPr>
       </p:pic>
-      <p:sp>
-        <p:nvSpPr>
-          <p:cNvPr id="6" name="TextBox 5"/>
-          <p:cNvSpPr txBox="1"/>
+      <p:pic>
+        <p:nvPicPr>
+          <p:cNvPr id="8" name="图片 7" descr="屏幕剪辑"/>
+          <p:cNvPicPr>
+            <a:picLocks noChangeAspect="1"/>
+          </p:cNvPicPr>
           <p:nvPr/>
-        </p:nvSpPr>
+        </p:nvPicPr>
+        <p:blipFill>
+          <a:blip r:embed="rId3">
+            <a:extLst>
+              <a:ext uri="{28A0092B-C50C-407E-A947-70E740481C1C}">
+                <a14:useLocalDpi xmlns:a14="http://schemas.microsoft.com/office/drawing/2010/main" val="0"/>
+              </a:ext>
+            </a:extLst>
+          </a:blip>
+          <a:stretch>
+            <a:fillRect/>
+          </a:stretch>
+        </p:blipFill>
         <p:spPr>
           <a:xfrm>
-            <a:off x="1002363" y="2716178"/>
-            <a:ext cx="3024336" cy="523220"/>
+            <a:off x="5364088" y="2383062"/>
+            <a:ext cx="2010056" cy="1076475"/>
           </a:xfrm>
           <a:prstGeom prst="rect">
             <a:avLst/>
           </a:prstGeom>
-          <a:noFill/>
+          <a:ln>
+            <a:noFill/>
+          </a:ln>
+          <a:effectLst>
+            <a:outerShdw blurRad="292100" dist="139700" dir="2700000" algn="tl" rotWithShape="0">
+              <a:srgbClr val="333333">
+                <a:alpha val="65000"/>
+              </a:srgbClr>
+            </a:outerShdw>
+          </a:effectLst>
         </p:spPr>
-        <p:txBody>
-          <a:bodyPr wrap="square" rtlCol="0">
-            <a:spAutoFit/>
-          </a:bodyPr>
+      </p:pic>
+      <p:sp>
+        <p:nvSpPr>
+          <p:cNvPr id="9" name="右箭头 8"/>
+          <p:cNvSpPr/>
+          <p:nvPr/>
+        </p:nvSpPr>
+        <p:spPr>
+          <a:xfrm>
+            <a:off x="4175956" y="2650037"/>
+            <a:ext cx="792088" cy="762516"/>
+          </a:xfrm>
+          <a:prstGeom prst="rightArrow">
+            <a:avLst/>
+          </a:prstGeom>
+        </p:spPr>
+        <p:style>
+          <a:lnRef idx="1">
+            <a:schemeClr val="accent3"/>
+          </a:lnRef>
+          <a:fillRef idx="3">
+            <a:schemeClr val="accent3"/>
+          </a:fillRef>
+          <a:effectRef idx="2">
+            <a:schemeClr val="accent3"/>
+          </a:effectRef>
+          <a:fontRef idx="minor">
+            <a:schemeClr val="lt1"/>
+          </a:fontRef>
+        </p:style>
+        <p:txBody>
+          <a:bodyPr rtlCol="0" anchor="ctr"/>
           <a:lstStyle/>
           <a:p>
-            <a:r>
-              <a:rPr lang="en-US" altLang="zh-CN" sz="2800" b="1" dirty="0">
-                <a:solidFill>
-                  <a:schemeClr val="tx1">
-                    <a:lumMod val="75000"/>
-                    <a:lumOff val="25000"/>
-                  </a:schemeClr>
-                </a:solidFill>
-                <a:latin typeface="微软雅黑" pitchFamily="34" charset="-122"/>
-                <a:ea typeface="微软雅黑" pitchFamily="34" charset="-122"/>
-              </a:rPr>
-              <a:t>less</a:t>
-            </a:r>
-            <a:endParaRPr lang="zh-CN" altLang="en-US" sz="2800" b="1" dirty="0">
-              <a:solidFill>
-                <a:schemeClr val="tx1">
-                  <a:lumMod val="75000"/>
-                  <a:lumOff val="25000"/>
-                </a:schemeClr>
-              </a:solidFill>
-              <a:latin typeface="微软雅黑" pitchFamily="34" charset="-122"/>
-              <a:ea typeface="微软雅黑" pitchFamily="34" charset="-122"/>
-            </a:endParaRPr>
+            <a:pPr algn="ctr"/>
+            <a:endParaRPr lang="zh-CN" altLang="en-US"/>
           </a:p>
         </p:txBody>
       </p:sp>
     </p:spTree>
     <p:extLst>
       <p:ext uri="{BB962C8B-B14F-4D97-AF65-F5344CB8AC3E}">
-        <p14:creationId xmlns:p14="http://schemas.microsoft.com/office/powerpoint/2010/main" val="2829352826"/>
+        <p14:creationId xmlns:p14="http://schemas.microsoft.com/office/powerpoint/2010/main" val="934925751"/>
       </p:ext>
     </p:extLst>
   </p:cSld>
@@ -4547,9 +5156,83 @@
           <a:chExt cx="0" cy="0"/>
         </a:xfrm>
       </p:grpSpPr>
+      <p:sp>
+        <p:nvSpPr>
+          <p:cNvPr id="4" name="TextBox 3"/>
+          <p:cNvSpPr txBox="1"/>
+          <p:nvPr/>
+        </p:nvSpPr>
+        <p:spPr>
+          <a:xfrm>
+            <a:off x="684000" y="453173"/>
+            <a:ext cx="7776000" cy="523220"/>
+          </a:xfrm>
+          <a:prstGeom prst="rect">
+            <a:avLst/>
+          </a:prstGeom>
+          <a:noFill/>
+        </p:spPr>
+        <p:txBody>
+          <a:bodyPr wrap="square" rtlCol="0">
+            <a:spAutoFit/>
+          </a:bodyPr>
+          <a:lstStyle/>
+          <a:p>
+            <a:r>
+              <a:rPr lang="en-US" altLang="zh-CN" sz="2800" b="1" dirty="0">
+                <a:solidFill>
+                  <a:schemeClr val="tx1">
+                    <a:lumMod val="75000"/>
+                    <a:lumOff val="25000"/>
+                  </a:schemeClr>
+                </a:solidFill>
+                <a:latin typeface="微软雅黑" pitchFamily="34" charset="-122"/>
+                <a:ea typeface="微软雅黑" pitchFamily="34" charset="-122"/>
+              </a:rPr>
+              <a:t>3</a:t>
+            </a:r>
+            <a:r>
+              <a:rPr lang="en-US" altLang="zh-CN" sz="2800" b="1" dirty="0" smtClean="0">
+                <a:solidFill>
+                  <a:schemeClr val="tx1">
+                    <a:lumMod val="75000"/>
+                    <a:lumOff val="25000"/>
+                  </a:schemeClr>
+                </a:solidFill>
+                <a:latin typeface="微软雅黑" pitchFamily="34" charset="-122"/>
+                <a:ea typeface="微软雅黑" pitchFamily="34" charset="-122"/>
+              </a:rPr>
+              <a:t>.</a:t>
+            </a:r>
+            <a:r>
+              <a:rPr lang="zh-CN" altLang="en-US" sz="2800" b="1" dirty="0" smtClean="0">
+                <a:solidFill>
+                  <a:schemeClr val="tx1">
+                    <a:lumMod val="75000"/>
+                    <a:lumOff val="25000"/>
+                  </a:schemeClr>
+                </a:solidFill>
+                <a:latin typeface="微软雅黑" pitchFamily="34" charset="-122"/>
+                <a:ea typeface="微软雅黑" pitchFamily="34" charset="-122"/>
+              </a:rPr>
+              <a:t>变量用于选择器</a:t>
+            </a:r>
+            <a:endParaRPr lang="zh-CN" altLang="en-US" sz="2800" b="1" dirty="0">
+              <a:solidFill>
+                <a:schemeClr val="tx1">
+                  <a:lumMod val="75000"/>
+                  <a:lumOff val="25000"/>
+                </a:schemeClr>
+              </a:solidFill>
+              <a:latin typeface="微软雅黑" pitchFamily="34" charset="-122"/>
+              <a:ea typeface="微软雅黑" pitchFamily="34" charset="-122"/>
+            </a:endParaRPr>
+          </a:p>
+        </p:txBody>
+      </p:sp>
       <p:pic>
         <p:nvPicPr>
-          <p:cNvPr id="2" name="图片 1" descr="屏幕剪辑"/>
+          <p:cNvPr id="8" name="图片 7" descr="屏幕剪辑"/>
           <p:cNvPicPr>
             <a:picLocks noChangeAspect="1"/>
           </p:cNvPicPr>
@@ -4569,8 +5252,8 @@
         </p:blipFill>
         <p:spPr>
           <a:xfrm>
-            <a:off x="971600" y="620688"/>
-            <a:ext cx="6620799" cy="1781424"/>
+            <a:off x="791470" y="976393"/>
+            <a:ext cx="3781953" cy="5563376"/>
           </a:xfrm>
           <a:prstGeom prst="rect">
             <a:avLst/>
@@ -4589,7 +5272,7 @@
       </p:pic>
       <p:pic>
         <p:nvPicPr>
-          <p:cNvPr id="3" name="图片 2" descr="屏幕剪辑"/>
+          <p:cNvPr id="9" name="图片 8" descr="屏幕剪辑"/>
           <p:cNvPicPr>
             <a:picLocks noChangeAspect="1"/>
           </p:cNvPicPr>
@@ -4609,8 +5292,8 @@
         </p:blipFill>
         <p:spPr>
           <a:xfrm>
-            <a:off x="1002363" y="3639424"/>
-            <a:ext cx="2229161" cy="714475"/>
+            <a:off x="4860032" y="1556792"/>
+            <a:ext cx="3829584" cy="4105848"/>
           </a:xfrm>
           <a:prstGeom prst="rect">
             <a:avLst/>
@@ -4627,164 +5310,61 @@
           </a:effectLst>
         </p:spPr>
       </p:pic>
-      <p:pic>
-        <p:nvPicPr>
-          <p:cNvPr id="4" name="图片 3" descr="屏幕剪辑"/>
-          <p:cNvPicPr>
-            <a:picLocks noChangeAspect="1"/>
-          </p:cNvPicPr>
+      <p:sp>
+        <p:nvSpPr>
+          <p:cNvPr id="10" name="右箭头 9"/>
+          <p:cNvSpPr/>
           <p:nvPr/>
-        </p:nvPicPr>
-        <p:blipFill>
-          <a:blip r:embed="rId4">
-            <a:extLst>
-              <a:ext uri="{28A0092B-C50C-407E-A947-70E740481C1C}">
-                <a14:useLocalDpi xmlns:a14="http://schemas.microsoft.com/office/drawing/2010/main" val="0"/>
-              </a:ext>
-            </a:extLst>
-          </a:blip>
-          <a:stretch>
-            <a:fillRect/>
-          </a:stretch>
-        </p:blipFill>
+        </p:nvSpPr>
         <p:spPr>
           <a:xfrm>
-            <a:off x="1002363" y="4503520"/>
-            <a:ext cx="6173061" cy="1733792"/>
+            <a:off x="4283968" y="2995565"/>
+            <a:ext cx="576064" cy="762516"/>
           </a:xfrm>
-          <a:prstGeom prst="rect">
+          <a:prstGeom prst="rightArrow">
             <a:avLst/>
           </a:prstGeom>
-          <a:ln>
-            <a:noFill/>
-          </a:ln>
-          <a:effectLst>
-            <a:outerShdw blurRad="292100" dist="139700" dir="2700000" algn="tl" rotWithShape="0">
-              <a:srgbClr val="333333">
-                <a:alpha val="65000"/>
-              </a:srgbClr>
-            </a:outerShdw>
-          </a:effectLst>
         </p:spPr>
-      </p:pic>
-      <p:sp>
-        <p:nvSpPr>
-          <p:cNvPr id="5" name="TextBox 4"/>
-          <p:cNvSpPr txBox="1"/>
-          <p:nvPr/>
-        </p:nvSpPr>
-        <p:spPr>
-          <a:xfrm>
-            <a:off x="1002363" y="2977788"/>
-            <a:ext cx="3024336" cy="523220"/>
-          </a:xfrm>
-          <a:prstGeom prst="rect">
-            <a:avLst/>
-          </a:prstGeom>
-          <a:noFill/>
-        </p:spPr>
-        <p:txBody>
-          <a:bodyPr wrap="square" rtlCol="0">
-            <a:spAutoFit/>
-          </a:bodyPr>
+        <p:style>
+          <a:lnRef idx="1">
+            <a:schemeClr val="accent3"/>
+          </a:lnRef>
+          <a:fillRef idx="3">
+            <a:schemeClr val="accent3"/>
+          </a:fillRef>
+          <a:effectRef idx="2">
+            <a:schemeClr val="accent3"/>
+          </a:effectRef>
+          <a:fontRef idx="minor">
+            <a:schemeClr val="lt1"/>
+          </a:fontRef>
+        </p:style>
+        <p:txBody>
+          <a:bodyPr rtlCol="0" anchor="ctr"/>
           <a:lstStyle/>
           <a:p>
-            <a:r>
-              <a:rPr lang="en-US" altLang="zh-CN" sz="2800" b="1" dirty="0" err="1" smtClean="0">
-                <a:solidFill>
-                  <a:schemeClr val="tx1">
-                    <a:lumMod val="75000"/>
-                    <a:lumOff val="25000"/>
-                  </a:schemeClr>
-                </a:solidFill>
-                <a:latin typeface="微软雅黑" pitchFamily="34" charset="-122"/>
-                <a:ea typeface="微软雅黑" pitchFamily="34" charset="-122"/>
-              </a:rPr>
-              <a:t>css</a:t>
-            </a:r>
-            <a:endParaRPr lang="zh-CN" altLang="en-US" sz="2800" b="1" dirty="0">
-              <a:solidFill>
-                <a:schemeClr val="tx1">
-                  <a:lumMod val="75000"/>
-                  <a:lumOff val="25000"/>
-                </a:schemeClr>
-              </a:solidFill>
-              <a:latin typeface="微软雅黑" pitchFamily="34" charset="-122"/>
-              <a:ea typeface="微软雅黑" pitchFamily="34" charset="-122"/>
-            </a:endParaRPr>
-          </a:p>
-        </p:txBody>
-      </p:sp>
-      <p:pic>
-        <p:nvPicPr>
-          <p:cNvPr id="6" name="图片 5" descr="屏幕剪辑"/>
-          <p:cNvPicPr>
-            <a:picLocks noChangeAspect="1"/>
-          </p:cNvPicPr>
-          <p:nvPr/>
-        </p:nvPicPr>
-        <p:blipFill>
-          <a:blip r:embed="rId5">
-            <a:extLst>
-              <a:ext uri="{28A0092B-C50C-407E-A947-70E740481C1C}">
-                <a14:useLocalDpi xmlns:a14="http://schemas.microsoft.com/office/drawing/2010/main" val="0"/>
-              </a:ext>
-            </a:extLst>
-          </a:blip>
-          <a:stretch>
-            <a:fillRect/>
-          </a:stretch>
-        </p:blipFill>
-        <p:spPr>
-          <a:xfrm>
-            <a:off x="5148064" y="2724612"/>
-            <a:ext cx="2676899" cy="1552792"/>
-          </a:xfrm>
-          <a:prstGeom prst="rect">
-            <a:avLst/>
-          </a:prstGeom>
-          <a:solidFill>
-            <a:srgbClr val="FFFFFF">
-              <a:shade val="85000"/>
-            </a:srgbClr>
-          </a:solidFill>
-          <a:ln w="88900" cap="sq">
-            <a:solidFill>
-              <a:srgbClr val="FFFFFF"/>
-            </a:solidFill>
-            <a:miter lim="800000"/>
-          </a:ln>
-          <a:effectLst>
-            <a:outerShdw blurRad="55000" dist="18000" dir="5400000" algn="tl" rotWithShape="0">
-              <a:srgbClr val="000000">
-                <a:alpha val="40000"/>
-              </a:srgbClr>
-            </a:outerShdw>
-          </a:effectLst>
-          <a:scene3d>
-            <a:camera prst="orthographicFront"/>
-            <a:lightRig rig="twoPt" dir="t">
-              <a:rot lat="0" lon="0" rev="7200000"/>
-            </a:lightRig>
-          </a:scene3d>
-          <a:sp3d>
-            <a:bevelT w="25400" h="19050"/>
-            <a:contourClr>
-              <a:srgbClr val="FFFFFF"/>
-            </a:contourClr>
-          </a:sp3d>
-        </p:spPr>
-      </p:pic>
+            <a:pPr algn="ctr"/>
+            <a:endParaRPr lang="zh-CN" altLang="en-US"/>
+          </a:p>
+        </p:txBody>
+      </p:sp>
     </p:spTree>
     <p:extLst>
       <p:ext uri="{BB962C8B-B14F-4D97-AF65-F5344CB8AC3E}">
-        <p14:creationId xmlns:p14="http://schemas.microsoft.com/office/powerpoint/2010/main" val="760667167"/>
+        <p14:creationId xmlns:p14="http://schemas.microsoft.com/office/powerpoint/2010/main" val="2829352826"/>
       </p:ext>
     </p:extLst>
   </p:cSld>
   <p:clrMapOvr>
     <a:masterClrMapping/>
   </p:clrMapOvr>
+  <p:timing>
+    <p:tnLst>
+      <p:par>
+        <p:cTn id="1" dur="indefinite" restart="never" nodeType="tmRoot"/>
+      </p:par>
+    </p:tnLst>
+  </p:timing>
 </p:sld>
 </file>
 
@@ -4805,414 +5385,6 @@
           <a:chExt cx="0" cy="0"/>
         </a:xfrm>
       </p:grpSpPr>
-      <p:sp>
-        <p:nvSpPr>
-          <p:cNvPr id="4" name="TextBox 3"/>
-          <p:cNvSpPr txBox="1"/>
-          <p:nvPr/>
-        </p:nvSpPr>
-        <p:spPr>
-          <a:xfrm>
-            <a:off x="684000" y="453173"/>
-            <a:ext cx="7776000" cy="523220"/>
-          </a:xfrm>
-          <a:prstGeom prst="rect">
-            <a:avLst/>
-          </a:prstGeom>
-          <a:noFill/>
-        </p:spPr>
-        <p:txBody>
-          <a:bodyPr wrap="square" rtlCol="0">
-            <a:spAutoFit/>
-          </a:bodyPr>
-          <a:lstStyle/>
-          <a:p>
-            <a:r>
-              <a:rPr lang="en-US" altLang="zh-CN" sz="2800" b="1" dirty="0" smtClean="0">
-                <a:solidFill>
-                  <a:schemeClr val="tx1">
-                    <a:lumMod val="75000"/>
-                    <a:lumOff val="25000"/>
-                  </a:schemeClr>
-                </a:solidFill>
-                <a:latin typeface="微软雅黑" pitchFamily="34" charset="-122"/>
-                <a:ea typeface="微软雅黑" pitchFamily="34" charset="-122"/>
-              </a:rPr>
-              <a:t>3.</a:t>
-            </a:r>
-            <a:r>
-              <a:rPr lang="zh-CN" altLang="en-US" sz="2800" b="1" dirty="0" smtClean="0">
-                <a:solidFill>
-                  <a:schemeClr val="tx1">
-                    <a:lumMod val="75000"/>
-                    <a:lumOff val="25000"/>
-                  </a:schemeClr>
-                </a:solidFill>
-                <a:latin typeface="微软雅黑" pitchFamily="34" charset="-122"/>
-                <a:ea typeface="微软雅黑" pitchFamily="34" charset="-122"/>
-              </a:rPr>
-              <a:t>用变量定义变量名</a:t>
-            </a:r>
-            <a:endParaRPr lang="zh-CN" altLang="en-US" sz="2800" b="1" dirty="0">
-              <a:solidFill>
-                <a:schemeClr val="tx1">
-                  <a:lumMod val="75000"/>
-                  <a:lumOff val="25000"/>
-                </a:schemeClr>
-              </a:solidFill>
-              <a:latin typeface="微软雅黑" pitchFamily="34" charset="-122"/>
-              <a:ea typeface="微软雅黑" pitchFamily="34" charset="-122"/>
-            </a:endParaRPr>
-          </a:p>
-        </p:txBody>
-      </p:sp>
-      <p:sp>
-        <p:nvSpPr>
-          <p:cNvPr id="2" name="TextBox 1"/>
-          <p:cNvSpPr txBox="1"/>
-          <p:nvPr/>
-        </p:nvSpPr>
-        <p:spPr>
-          <a:xfrm>
-            <a:off x="684000" y="1052736"/>
-            <a:ext cx="7776000" cy="2862322"/>
-          </a:xfrm>
-          <a:prstGeom prst="rect">
-            <a:avLst/>
-          </a:prstGeom>
-          <a:noFill/>
-        </p:spPr>
-        <p:txBody>
-          <a:bodyPr wrap="square" rtlCol="0">
-            <a:spAutoFit/>
-          </a:bodyPr>
-          <a:lstStyle/>
-          <a:p>
-            <a:pPr>
-              <a:lnSpc>
-                <a:spcPct val="150000"/>
-              </a:lnSpc>
-            </a:pPr>
-            <a:r>
-              <a:rPr lang="zh-CN" altLang="en-US" sz="2400" dirty="0" smtClean="0">
-                <a:solidFill>
-                  <a:schemeClr val="tx1">
-                    <a:lumMod val="75000"/>
-                    <a:lumOff val="25000"/>
-                  </a:schemeClr>
-                </a:solidFill>
-                <a:latin typeface="微软雅黑" pitchFamily="34" charset="-122"/>
-                <a:ea typeface="微软雅黑" pitchFamily="34" charset="-122"/>
-              </a:rPr>
-              <a:t>我们可以把一个变量的名字用另外一个变量来表示</a:t>
-            </a:r>
-            <a:r>
-              <a:rPr lang="en-US" altLang="zh-CN" sz="2400" dirty="0" smtClean="0">
-                <a:solidFill>
-                  <a:schemeClr val="tx1">
-                    <a:lumMod val="75000"/>
-                    <a:lumOff val="25000"/>
-                  </a:schemeClr>
-                </a:solidFill>
-                <a:latin typeface="微软雅黑" pitchFamily="34" charset="-122"/>
-                <a:ea typeface="微软雅黑" pitchFamily="34" charset="-122"/>
-              </a:rPr>
-              <a:t>:</a:t>
-            </a:r>
-          </a:p>
-          <a:p>
-            <a:pPr>
-              <a:lnSpc>
-                <a:spcPct val="150000"/>
-              </a:lnSpc>
-            </a:pPr>
-            <a:r>
-              <a:rPr lang="en-US" altLang="zh-CN" sz="2400" b="1" dirty="0" smtClean="0">
-                <a:solidFill>
-                  <a:schemeClr val="tx1">
-                    <a:lumMod val="75000"/>
-                    <a:lumOff val="25000"/>
-                  </a:schemeClr>
-                </a:solidFill>
-                <a:latin typeface="微软雅黑" pitchFamily="34" charset="-122"/>
-                <a:ea typeface="微软雅黑" pitchFamily="34" charset="-122"/>
-              </a:rPr>
-              <a:t>@</a:t>
-            </a:r>
-            <a:r>
-              <a:rPr lang="en-US" altLang="zh-CN" sz="2400" dirty="0" smtClean="0">
-                <a:solidFill>
-                  <a:srgbClr val="FF0000"/>
-                </a:solidFill>
-                <a:latin typeface="微软雅黑" pitchFamily="34" charset="-122"/>
-                <a:ea typeface="微软雅黑" pitchFamily="34" charset="-122"/>
-              </a:rPr>
-              <a:t>hello</a:t>
-            </a:r>
-            <a:r>
-              <a:rPr lang="en-US" altLang="zh-CN" sz="2400" dirty="0" smtClean="0">
-                <a:solidFill>
-                  <a:schemeClr val="tx1">
-                    <a:lumMod val="75000"/>
-                    <a:lumOff val="25000"/>
-                  </a:schemeClr>
-                </a:solidFill>
-                <a:latin typeface="微软雅黑" pitchFamily="34" charset="-122"/>
-                <a:ea typeface="微软雅黑" pitchFamily="34" charset="-122"/>
-              </a:rPr>
-              <a:t>: red;		</a:t>
-            </a:r>
-          </a:p>
-          <a:p>
-            <a:pPr>
-              <a:lnSpc>
-                <a:spcPct val="150000"/>
-              </a:lnSpc>
-            </a:pPr>
-            <a:r>
-              <a:rPr lang="en-US" altLang="zh-CN" sz="2400" b="1" dirty="0" smtClean="0">
-                <a:solidFill>
-                  <a:schemeClr val="tx1">
-                    <a:lumMod val="75000"/>
-                    <a:lumOff val="25000"/>
-                  </a:schemeClr>
-                </a:solidFill>
-                <a:latin typeface="微软雅黑" pitchFamily="34" charset="-122"/>
-                <a:ea typeface="微软雅黑" pitchFamily="34" charset="-122"/>
-              </a:rPr>
-              <a:t>@</a:t>
-            </a:r>
-            <a:r>
-              <a:rPr lang="en-US" altLang="zh-CN" sz="2400" dirty="0" err="1" smtClean="0">
-                <a:solidFill>
-                  <a:srgbClr val="00B0F0"/>
-                </a:solidFill>
-                <a:latin typeface="微软雅黑" pitchFamily="34" charset="-122"/>
-                <a:ea typeface="微软雅黑" pitchFamily="34" charset="-122"/>
-              </a:rPr>
-              <a:t>helloless</a:t>
-            </a:r>
-            <a:r>
-              <a:rPr lang="en-US" altLang="zh-CN" sz="2400" dirty="0" smtClean="0">
-                <a:solidFill>
-                  <a:schemeClr val="tx1">
-                    <a:lumMod val="75000"/>
-                    <a:lumOff val="25000"/>
-                  </a:schemeClr>
-                </a:solidFill>
-                <a:latin typeface="微软雅黑" pitchFamily="34" charset="-122"/>
-                <a:ea typeface="微软雅黑" pitchFamily="34" charset="-122"/>
-              </a:rPr>
-              <a:t>: </a:t>
-            </a:r>
-            <a:r>
-              <a:rPr lang="en-US" altLang="zh-CN" sz="2400" dirty="0" smtClean="0">
-                <a:solidFill>
-                  <a:srgbClr val="FF0000"/>
-                </a:solidFill>
-                <a:latin typeface="微软雅黑" pitchFamily="34" charset="-122"/>
-                <a:ea typeface="微软雅黑" pitchFamily="34" charset="-122"/>
-              </a:rPr>
-              <a:t>hello</a:t>
-            </a:r>
-            <a:r>
-              <a:rPr lang="en-US" altLang="zh-CN" sz="2400" dirty="0" smtClean="0">
-                <a:solidFill>
-                  <a:schemeClr val="tx1">
-                    <a:lumMod val="75000"/>
-                    <a:lumOff val="25000"/>
-                  </a:schemeClr>
-                </a:solidFill>
-                <a:latin typeface="微软雅黑" pitchFamily="34" charset="-122"/>
-                <a:ea typeface="微软雅黑" pitchFamily="34" charset="-122"/>
-              </a:rPr>
-              <a:t>;</a:t>
-            </a:r>
-          </a:p>
-          <a:p>
-            <a:pPr>
-              <a:lnSpc>
-                <a:spcPct val="150000"/>
-              </a:lnSpc>
-            </a:pPr>
-            <a:r>
-              <a:rPr lang="en-US" altLang="zh-CN" sz="2400" dirty="0">
-                <a:solidFill>
-                  <a:schemeClr val="tx1">
-                    <a:lumMod val="75000"/>
-                    <a:lumOff val="25000"/>
-                  </a:schemeClr>
-                </a:solidFill>
-                <a:latin typeface="微软雅黑" pitchFamily="34" charset="-122"/>
-                <a:ea typeface="微软雅黑" pitchFamily="34" charset="-122"/>
-              </a:rPr>
-              <a:t>h</a:t>
-            </a:r>
-            <a:r>
-              <a:rPr lang="en-US" altLang="zh-CN" sz="2400" dirty="0" smtClean="0">
-                <a:solidFill>
-                  <a:schemeClr val="tx1">
-                    <a:lumMod val="75000"/>
-                    <a:lumOff val="25000"/>
-                  </a:schemeClr>
-                </a:solidFill>
-                <a:latin typeface="微软雅黑" pitchFamily="34" charset="-122"/>
-                <a:ea typeface="微软雅黑" pitchFamily="34" charset="-122"/>
-              </a:rPr>
-              <a:t>1{ color:</a:t>
-            </a:r>
-            <a:r>
-              <a:rPr lang="en-US" altLang="zh-CN" sz="2400" b="1" dirty="0" smtClean="0">
-                <a:solidFill>
-                  <a:schemeClr val="tx1">
-                    <a:lumMod val="75000"/>
-                    <a:lumOff val="25000"/>
-                  </a:schemeClr>
-                </a:solidFill>
-                <a:latin typeface="微软雅黑" pitchFamily="34" charset="-122"/>
-                <a:ea typeface="微软雅黑" pitchFamily="34" charset="-122"/>
-              </a:rPr>
-              <a:t>@@</a:t>
-            </a:r>
-            <a:r>
-              <a:rPr lang="en-US" altLang="zh-CN" sz="2400" dirty="0" err="1" smtClean="0">
-                <a:solidFill>
-                  <a:srgbClr val="00B0F0"/>
-                </a:solidFill>
-                <a:latin typeface="微软雅黑" pitchFamily="34" charset="-122"/>
-                <a:ea typeface="微软雅黑" pitchFamily="34" charset="-122"/>
-              </a:rPr>
-              <a:t>helloless</a:t>
-            </a:r>
-            <a:r>
-              <a:rPr lang="en-US" altLang="zh-CN" sz="2400" dirty="0" smtClean="0">
-                <a:solidFill>
-                  <a:schemeClr val="tx1">
-                    <a:lumMod val="75000"/>
-                    <a:lumOff val="25000"/>
-                  </a:schemeClr>
-                </a:solidFill>
-                <a:latin typeface="微软雅黑" pitchFamily="34" charset="-122"/>
-                <a:ea typeface="微软雅黑" pitchFamily="34" charset="-122"/>
-              </a:rPr>
-              <a:t>;}</a:t>
-            </a:r>
-          </a:p>
-          <a:p>
-            <a:pPr>
-              <a:lnSpc>
-                <a:spcPct val="150000"/>
-              </a:lnSpc>
-            </a:pPr>
-            <a:endParaRPr lang="en-US" altLang="zh-CN" sz="2400" dirty="0" smtClean="0">
-              <a:solidFill>
-                <a:schemeClr val="tx1">
-                  <a:lumMod val="75000"/>
-                  <a:lumOff val="25000"/>
-                </a:schemeClr>
-              </a:solidFill>
-              <a:latin typeface="微软雅黑" pitchFamily="34" charset="-122"/>
-              <a:ea typeface="微软雅黑" pitchFamily="34" charset="-122"/>
-            </a:endParaRPr>
-          </a:p>
-        </p:txBody>
-      </p:sp>
-      <p:sp>
-        <p:nvSpPr>
-          <p:cNvPr id="10" name="TextBox 9"/>
-          <p:cNvSpPr txBox="1"/>
-          <p:nvPr/>
-        </p:nvSpPr>
-        <p:spPr>
-          <a:xfrm>
-            <a:off x="947204" y="3557678"/>
-            <a:ext cx="3024336" cy="523220"/>
-          </a:xfrm>
-          <a:prstGeom prst="rect">
-            <a:avLst/>
-          </a:prstGeom>
-          <a:noFill/>
-        </p:spPr>
-        <p:txBody>
-          <a:bodyPr wrap="square" rtlCol="0">
-            <a:spAutoFit/>
-          </a:bodyPr>
-          <a:lstStyle/>
-          <a:p>
-            <a:r>
-              <a:rPr lang="en-US" altLang="zh-CN" sz="2800" b="1" dirty="0">
-                <a:solidFill>
-                  <a:schemeClr val="tx1">
-                    <a:lumMod val="75000"/>
-                    <a:lumOff val="25000"/>
-                  </a:schemeClr>
-                </a:solidFill>
-                <a:latin typeface="微软雅黑" pitchFamily="34" charset="-122"/>
-                <a:ea typeface="微软雅黑" pitchFamily="34" charset="-122"/>
-              </a:rPr>
-              <a:t>less</a:t>
-            </a:r>
-            <a:endParaRPr lang="zh-CN" altLang="en-US" sz="2800" b="1" dirty="0">
-              <a:solidFill>
-                <a:schemeClr val="tx1">
-                  <a:lumMod val="75000"/>
-                  <a:lumOff val="25000"/>
-                </a:schemeClr>
-              </a:solidFill>
-              <a:latin typeface="微软雅黑" pitchFamily="34" charset="-122"/>
-              <a:ea typeface="微软雅黑" pitchFamily="34" charset="-122"/>
-            </a:endParaRPr>
-          </a:p>
-        </p:txBody>
-      </p:sp>
-      <p:sp>
-        <p:nvSpPr>
-          <p:cNvPr id="11" name="TextBox 10"/>
-          <p:cNvSpPr txBox="1"/>
-          <p:nvPr/>
-        </p:nvSpPr>
-        <p:spPr>
-          <a:xfrm>
-            <a:off x="5292080" y="3391838"/>
-            <a:ext cx="3024336" cy="523220"/>
-          </a:xfrm>
-          <a:prstGeom prst="rect">
-            <a:avLst/>
-          </a:prstGeom>
-          <a:noFill/>
-        </p:spPr>
-        <p:txBody>
-          <a:bodyPr wrap="square" rtlCol="0">
-            <a:spAutoFit/>
-          </a:bodyPr>
-          <a:lstStyle/>
-          <a:p>
-            <a:r>
-              <a:rPr lang="en-US" altLang="zh-CN" sz="2800" b="1" dirty="0" err="1" smtClean="0">
-                <a:solidFill>
-                  <a:schemeClr val="tx1">
-                    <a:lumMod val="75000"/>
-                    <a:lumOff val="25000"/>
-                  </a:schemeClr>
-                </a:solidFill>
-                <a:latin typeface="微软雅黑" pitchFamily="34" charset="-122"/>
-                <a:ea typeface="微软雅黑" pitchFamily="34" charset="-122"/>
-              </a:rPr>
-              <a:t>css</a:t>
-            </a:r>
-            <a:endParaRPr lang="zh-CN" altLang="en-US" sz="2800" b="1" dirty="0">
-              <a:solidFill>
-                <a:schemeClr val="tx1">
-                  <a:lumMod val="75000"/>
-                  <a:lumOff val="25000"/>
-                </a:schemeClr>
-              </a:solidFill>
-              <a:latin typeface="微软雅黑" pitchFamily="34" charset="-122"/>
-              <a:ea typeface="微软雅黑" pitchFamily="34" charset="-122"/>
-            </a:endParaRPr>
-          </a:p>
-        </p:txBody>
-      </p:sp>
       <p:pic>
         <p:nvPicPr>
           <p:cNvPr id="5" name="图片 4" descr="屏幕剪辑"/>
@@ -5235,8 +5407,8 @@
         </p:blipFill>
         <p:spPr>
           <a:xfrm>
-            <a:off x="921450" y="4127341"/>
-            <a:ext cx="3162741" cy="1609950"/>
+            <a:off x="827584" y="1124744"/>
+            <a:ext cx="6658904" cy="2781688"/>
           </a:xfrm>
           <a:prstGeom prst="rect">
             <a:avLst/>
@@ -5253,9 +5425,142 @@
           </a:effectLst>
         </p:spPr>
       </p:pic>
+      <p:sp>
+        <p:nvSpPr>
+          <p:cNvPr id="4" name="TextBox 3"/>
+          <p:cNvSpPr txBox="1"/>
+          <p:nvPr/>
+        </p:nvSpPr>
+        <p:spPr>
+          <a:xfrm>
+            <a:off x="684000" y="453173"/>
+            <a:ext cx="7776000" cy="523220"/>
+          </a:xfrm>
+          <a:prstGeom prst="rect">
+            <a:avLst/>
+          </a:prstGeom>
+          <a:noFill/>
+        </p:spPr>
+        <p:txBody>
+          <a:bodyPr wrap="square" rtlCol="0">
+            <a:spAutoFit/>
+          </a:bodyPr>
+          <a:lstStyle/>
+          <a:p>
+            <a:r>
+              <a:rPr lang="en-US" altLang="zh-CN" sz="2800" b="1" dirty="0" smtClean="0">
+                <a:solidFill>
+                  <a:schemeClr val="tx1">
+                    <a:lumMod val="75000"/>
+                    <a:lumOff val="25000"/>
+                  </a:schemeClr>
+                </a:solidFill>
+                <a:latin typeface="微软雅黑" pitchFamily="34" charset="-122"/>
+                <a:ea typeface="微软雅黑" pitchFamily="34" charset="-122"/>
+              </a:rPr>
+              <a:t>4.</a:t>
+            </a:r>
+            <a:r>
+              <a:rPr lang="zh-CN" altLang="en-US" sz="2800" b="1" dirty="0" smtClean="0">
+                <a:solidFill>
+                  <a:schemeClr val="tx1">
+                    <a:lumMod val="75000"/>
+                    <a:lumOff val="25000"/>
+                  </a:schemeClr>
+                </a:solidFill>
+                <a:latin typeface="微软雅黑" pitchFamily="34" charset="-122"/>
+                <a:ea typeface="微软雅黑" pitchFamily="34" charset="-122"/>
+              </a:rPr>
+              <a:t>变量用于</a:t>
+            </a:r>
+            <a:r>
+              <a:rPr lang="en-US" altLang="zh-CN" sz="2800" b="1" dirty="0" err="1" smtClean="0">
+                <a:solidFill>
+                  <a:schemeClr val="tx1">
+                    <a:lumMod val="75000"/>
+                    <a:lumOff val="25000"/>
+                  </a:schemeClr>
+                </a:solidFill>
+                <a:latin typeface="微软雅黑" pitchFamily="34" charset="-122"/>
+                <a:ea typeface="微软雅黑" pitchFamily="34" charset="-122"/>
+              </a:rPr>
+              <a:t>url</a:t>
+            </a:r>
+            <a:endParaRPr lang="zh-CN" altLang="en-US" sz="2800" b="1" dirty="0">
+              <a:solidFill>
+                <a:schemeClr val="tx1">
+                  <a:lumMod val="75000"/>
+                  <a:lumOff val="25000"/>
+                </a:schemeClr>
+              </a:solidFill>
+              <a:latin typeface="微软雅黑" pitchFamily="34" charset="-122"/>
+              <a:ea typeface="微软雅黑" pitchFamily="34" charset="-122"/>
+            </a:endParaRPr>
+          </a:p>
+        </p:txBody>
+      </p:sp>
+      <p:sp>
+        <p:nvSpPr>
+          <p:cNvPr id="3" name="圆角矩形标注 2"/>
+          <p:cNvSpPr/>
+          <p:nvPr/>
+        </p:nvSpPr>
+        <p:spPr>
+          <a:xfrm>
+            <a:off x="3592270" y="2279379"/>
+            <a:ext cx="2334467" cy="432048"/>
+          </a:xfrm>
+          <a:prstGeom prst="wedgeRoundRectCallout">
+            <a:avLst>
+              <a:gd name="adj1" fmla="val -29406"/>
+              <a:gd name="adj2" fmla="val 104828"/>
+              <a:gd name="adj3" fmla="val 16667"/>
+            </a:avLst>
+          </a:prstGeom>
+        </p:spPr>
+        <p:style>
+          <a:lnRef idx="2">
+            <a:schemeClr val="accent5"/>
+          </a:lnRef>
+          <a:fillRef idx="1">
+            <a:schemeClr val="lt1"/>
+          </a:fillRef>
+          <a:effectRef idx="0">
+            <a:schemeClr val="accent5"/>
+          </a:effectRef>
+          <a:fontRef idx="minor">
+            <a:schemeClr val="dk1"/>
+          </a:fontRef>
+        </p:style>
+        <p:txBody>
+          <a:bodyPr rtlCol="0" anchor="ctr"/>
+          <a:lstStyle/>
+          <a:p>
+            <a:pPr algn="ctr"/>
+            <a:r>
+              <a:rPr lang="en-US" altLang="zh-CN" dirty="0" smtClean="0">
+                <a:latin typeface="微软雅黑" pitchFamily="34" charset="-122"/>
+                <a:ea typeface="微软雅黑" pitchFamily="34" charset="-122"/>
+              </a:rPr>
+              <a:t> </a:t>
+            </a:r>
+            <a:r>
+              <a:rPr lang="zh-CN" altLang="en-US" dirty="0" smtClean="0">
+                <a:latin typeface="微软雅黑" pitchFamily="34" charset="-122"/>
+                <a:ea typeface="微软雅黑" pitchFamily="34" charset="-122"/>
+              </a:rPr>
+              <a:t>双引号必须加</a:t>
+            </a:r>
+            <a:endParaRPr lang="zh-CN" altLang="en-US" dirty="0">
+              <a:latin typeface="微软雅黑" pitchFamily="34" charset="-122"/>
+              <a:ea typeface="微软雅黑" pitchFamily="34" charset="-122"/>
+            </a:endParaRPr>
+          </a:p>
+        </p:txBody>
+      </p:sp>
       <p:pic>
         <p:nvPicPr>
-          <p:cNvPr id="6" name="图片 5" descr="屏幕剪辑"/>
+          <p:cNvPr id="7" name="图片 6" descr="屏幕剪辑"/>
           <p:cNvPicPr>
             <a:picLocks noChangeAspect="1"/>
           </p:cNvPicPr>
@@ -5275,8 +5580,526 @@
         </p:blipFill>
         <p:spPr>
           <a:xfrm>
-            <a:off x="5060342" y="4127341"/>
-            <a:ext cx="2286319" cy="1028844"/>
+            <a:off x="827584" y="4149080"/>
+            <a:ext cx="7020905" cy="2410161"/>
+          </a:xfrm>
+          <a:prstGeom prst="rect">
+            <a:avLst/>
+          </a:prstGeom>
+          <a:ln>
+            <a:noFill/>
+          </a:ln>
+          <a:effectLst>
+            <a:outerShdw blurRad="292100" dist="139700" dir="2700000" algn="tl" rotWithShape="0">
+              <a:srgbClr val="333333">
+                <a:alpha val="65000"/>
+              </a:srgbClr>
+            </a:outerShdw>
+          </a:effectLst>
+        </p:spPr>
+      </p:pic>
+      <p:sp>
+        <p:nvSpPr>
+          <p:cNvPr id="8" name="右箭头 7"/>
+          <p:cNvSpPr/>
+          <p:nvPr/>
+        </p:nvSpPr>
+        <p:spPr>
+          <a:xfrm rot="5400000">
+            <a:off x="4050004" y="3525174"/>
+            <a:ext cx="576064" cy="762516"/>
+          </a:xfrm>
+          <a:prstGeom prst="rightArrow">
+            <a:avLst/>
+          </a:prstGeom>
+        </p:spPr>
+        <p:style>
+          <a:lnRef idx="1">
+            <a:schemeClr val="accent3"/>
+          </a:lnRef>
+          <a:fillRef idx="3">
+            <a:schemeClr val="accent3"/>
+          </a:fillRef>
+          <a:effectRef idx="2">
+            <a:schemeClr val="accent3"/>
+          </a:effectRef>
+          <a:fontRef idx="minor">
+            <a:schemeClr val="lt1"/>
+          </a:fontRef>
+        </p:style>
+        <p:txBody>
+          <a:bodyPr rtlCol="0" anchor="ctr"/>
+          <a:lstStyle/>
+          <a:p>
+            <a:pPr algn="ctr"/>
+            <a:endParaRPr lang="zh-CN" altLang="en-US"/>
+          </a:p>
+        </p:txBody>
+      </p:sp>
+    </p:spTree>
+    <p:extLst>
+      <p:ext uri="{BB962C8B-B14F-4D97-AF65-F5344CB8AC3E}">
+        <p14:creationId xmlns:p14="http://schemas.microsoft.com/office/powerpoint/2010/main" val="116537203"/>
+      </p:ext>
+    </p:extLst>
+  </p:cSld>
+  <p:clrMapOvr>
+    <a:masterClrMapping/>
+  </p:clrMapOvr>
+  <p:timing>
+    <p:tnLst>
+      <p:par>
+        <p:cTn id="1" dur="indefinite" restart="never" nodeType="tmRoot"/>
+      </p:par>
+    </p:tnLst>
+  </p:timing>
+</p:sld>
+</file>
+
+<file path=ppt/slides/slide7.xml><?xml version="1.0" encoding="utf-8"?>
+<p:sld xmlns:a="http://schemas.openxmlformats.org/drawingml/2006/main" xmlns:r="http://schemas.openxmlformats.org/officeDocument/2006/relationships" xmlns:p="http://schemas.openxmlformats.org/presentationml/2006/main">
+  <p:cSld>
+    <p:spTree>
+      <p:nvGrpSpPr>
+        <p:cNvPr id="1" name=""/>
+        <p:cNvGrpSpPr/>
+        <p:nvPr/>
+      </p:nvGrpSpPr>
+      <p:grpSpPr>
+        <a:xfrm>
+          <a:off x="0" y="0"/>
+          <a:ext cx="0" cy="0"/>
+          <a:chOff x="0" y="0"/>
+          <a:chExt cx="0" cy="0"/>
+        </a:xfrm>
+      </p:grpSpPr>
+      <p:sp>
+        <p:nvSpPr>
+          <p:cNvPr id="4" name="TextBox 3"/>
+          <p:cNvSpPr txBox="1"/>
+          <p:nvPr/>
+        </p:nvSpPr>
+        <p:spPr>
+          <a:xfrm>
+            <a:off x="684000" y="453173"/>
+            <a:ext cx="7776000" cy="523220"/>
+          </a:xfrm>
+          <a:prstGeom prst="rect">
+            <a:avLst/>
+          </a:prstGeom>
+          <a:noFill/>
+        </p:spPr>
+        <p:txBody>
+          <a:bodyPr wrap="square" rtlCol="0">
+            <a:spAutoFit/>
+          </a:bodyPr>
+          <a:lstStyle/>
+          <a:p>
+            <a:r>
+              <a:rPr lang="en-US" altLang="zh-CN" sz="2800" b="1" dirty="0">
+                <a:solidFill>
+                  <a:schemeClr val="tx1">
+                    <a:lumMod val="75000"/>
+                    <a:lumOff val="25000"/>
+                  </a:schemeClr>
+                </a:solidFill>
+                <a:latin typeface="微软雅黑" pitchFamily="34" charset="-122"/>
+                <a:ea typeface="微软雅黑" pitchFamily="34" charset="-122"/>
+              </a:rPr>
+              <a:t>5</a:t>
+            </a:r>
+            <a:r>
+              <a:rPr lang="en-US" altLang="zh-CN" sz="2800" b="1" dirty="0" smtClean="0">
+                <a:solidFill>
+                  <a:schemeClr val="tx1">
+                    <a:lumMod val="75000"/>
+                    <a:lumOff val="25000"/>
+                  </a:schemeClr>
+                </a:solidFill>
+                <a:latin typeface="微软雅黑" pitchFamily="34" charset="-122"/>
+                <a:ea typeface="微软雅黑" pitchFamily="34" charset="-122"/>
+              </a:rPr>
+              <a:t>.</a:t>
+            </a:r>
+            <a:r>
+              <a:rPr lang="zh-CN" altLang="en-US" sz="2800" b="1" dirty="0" smtClean="0">
+                <a:solidFill>
+                  <a:schemeClr val="tx1">
+                    <a:lumMod val="75000"/>
+                    <a:lumOff val="25000"/>
+                  </a:schemeClr>
+                </a:solidFill>
+                <a:latin typeface="微软雅黑" pitchFamily="34" charset="-122"/>
+                <a:ea typeface="微软雅黑" pitchFamily="34" charset="-122"/>
+              </a:rPr>
+              <a:t>用变量定义变量名</a:t>
+            </a:r>
+            <a:endParaRPr lang="zh-CN" altLang="en-US" sz="2800" b="1" dirty="0">
+              <a:solidFill>
+                <a:schemeClr val="tx1">
+                  <a:lumMod val="75000"/>
+                  <a:lumOff val="25000"/>
+                </a:schemeClr>
+              </a:solidFill>
+              <a:latin typeface="微软雅黑" pitchFamily="34" charset="-122"/>
+              <a:ea typeface="微软雅黑" pitchFamily="34" charset="-122"/>
+            </a:endParaRPr>
+          </a:p>
+        </p:txBody>
+      </p:sp>
+      <p:sp>
+        <p:nvSpPr>
+          <p:cNvPr id="2" name="TextBox 1"/>
+          <p:cNvSpPr txBox="1"/>
+          <p:nvPr/>
+        </p:nvSpPr>
+        <p:spPr>
+          <a:xfrm>
+            <a:off x="684000" y="1052736"/>
+            <a:ext cx="7776000" cy="2862322"/>
+          </a:xfrm>
+          <a:prstGeom prst="rect">
+            <a:avLst/>
+          </a:prstGeom>
+          <a:noFill/>
+        </p:spPr>
+        <p:txBody>
+          <a:bodyPr wrap="square" rtlCol="0">
+            <a:spAutoFit/>
+          </a:bodyPr>
+          <a:lstStyle/>
+          <a:p>
+            <a:pPr>
+              <a:lnSpc>
+                <a:spcPct val="150000"/>
+              </a:lnSpc>
+            </a:pPr>
+            <a:r>
+              <a:rPr lang="zh-CN" altLang="en-US" sz="2400" dirty="0" smtClean="0">
+                <a:solidFill>
+                  <a:schemeClr val="tx1">
+                    <a:lumMod val="75000"/>
+                    <a:lumOff val="25000"/>
+                  </a:schemeClr>
+                </a:solidFill>
+                <a:latin typeface="微软雅黑" pitchFamily="34" charset="-122"/>
+                <a:ea typeface="微软雅黑" pitchFamily="34" charset="-122"/>
+              </a:rPr>
+              <a:t>我们可以把一个变量的名字用另外一个变量来表示</a:t>
+            </a:r>
+            <a:r>
+              <a:rPr lang="en-US" altLang="zh-CN" sz="2400" dirty="0" smtClean="0">
+                <a:solidFill>
+                  <a:schemeClr val="tx1">
+                    <a:lumMod val="75000"/>
+                    <a:lumOff val="25000"/>
+                  </a:schemeClr>
+                </a:solidFill>
+                <a:latin typeface="微软雅黑" pitchFamily="34" charset="-122"/>
+                <a:ea typeface="微软雅黑" pitchFamily="34" charset="-122"/>
+              </a:rPr>
+              <a:t>:</a:t>
+            </a:r>
+          </a:p>
+          <a:p>
+            <a:pPr>
+              <a:lnSpc>
+                <a:spcPct val="150000"/>
+              </a:lnSpc>
+            </a:pPr>
+            <a:r>
+              <a:rPr lang="en-US" altLang="zh-CN" sz="2400" b="1" dirty="0" smtClean="0">
+                <a:solidFill>
+                  <a:schemeClr val="tx1">
+                    <a:lumMod val="75000"/>
+                    <a:lumOff val="25000"/>
+                  </a:schemeClr>
+                </a:solidFill>
+                <a:latin typeface="微软雅黑" pitchFamily="34" charset="-122"/>
+                <a:ea typeface="微软雅黑" pitchFamily="34" charset="-122"/>
+              </a:rPr>
+              <a:t>@</a:t>
+            </a:r>
+            <a:r>
+              <a:rPr lang="en-US" altLang="zh-CN" sz="2400" dirty="0" smtClean="0">
+                <a:solidFill>
+                  <a:srgbClr val="FF0000"/>
+                </a:solidFill>
+                <a:latin typeface="微软雅黑" pitchFamily="34" charset="-122"/>
+                <a:ea typeface="微软雅黑" pitchFamily="34" charset="-122"/>
+              </a:rPr>
+              <a:t>hello</a:t>
+            </a:r>
+            <a:r>
+              <a:rPr lang="en-US" altLang="zh-CN" sz="2400" dirty="0" smtClean="0">
+                <a:solidFill>
+                  <a:schemeClr val="tx1">
+                    <a:lumMod val="75000"/>
+                    <a:lumOff val="25000"/>
+                  </a:schemeClr>
+                </a:solidFill>
+                <a:latin typeface="微软雅黑" pitchFamily="34" charset="-122"/>
+                <a:ea typeface="微软雅黑" pitchFamily="34" charset="-122"/>
+              </a:rPr>
+              <a:t>: red;		</a:t>
+            </a:r>
+          </a:p>
+          <a:p>
+            <a:pPr>
+              <a:lnSpc>
+                <a:spcPct val="150000"/>
+              </a:lnSpc>
+            </a:pPr>
+            <a:r>
+              <a:rPr lang="en-US" altLang="zh-CN" sz="2400" b="1" dirty="0" smtClean="0">
+                <a:solidFill>
+                  <a:schemeClr val="tx1">
+                    <a:lumMod val="75000"/>
+                    <a:lumOff val="25000"/>
+                  </a:schemeClr>
+                </a:solidFill>
+                <a:latin typeface="微软雅黑" pitchFamily="34" charset="-122"/>
+                <a:ea typeface="微软雅黑" pitchFamily="34" charset="-122"/>
+              </a:rPr>
+              <a:t>@</a:t>
+            </a:r>
+            <a:r>
+              <a:rPr lang="en-US" altLang="zh-CN" sz="2400" dirty="0" err="1" smtClean="0">
+                <a:solidFill>
+                  <a:srgbClr val="00B0F0"/>
+                </a:solidFill>
+                <a:latin typeface="微软雅黑" pitchFamily="34" charset="-122"/>
+                <a:ea typeface="微软雅黑" pitchFamily="34" charset="-122"/>
+              </a:rPr>
+              <a:t>helloless</a:t>
+            </a:r>
+            <a:r>
+              <a:rPr lang="en-US" altLang="zh-CN" sz="2400" dirty="0" smtClean="0">
+                <a:solidFill>
+                  <a:schemeClr val="tx1">
+                    <a:lumMod val="75000"/>
+                    <a:lumOff val="25000"/>
+                  </a:schemeClr>
+                </a:solidFill>
+                <a:latin typeface="微软雅黑" pitchFamily="34" charset="-122"/>
+                <a:ea typeface="微软雅黑" pitchFamily="34" charset="-122"/>
+              </a:rPr>
+              <a:t>: </a:t>
+            </a:r>
+            <a:r>
+              <a:rPr lang="en-US" altLang="zh-CN" sz="2400" dirty="0" smtClean="0">
+                <a:solidFill>
+                  <a:srgbClr val="FF0000"/>
+                </a:solidFill>
+                <a:latin typeface="微软雅黑" pitchFamily="34" charset="-122"/>
+                <a:ea typeface="微软雅黑" pitchFamily="34" charset="-122"/>
+              </a:rPr>
+              <a:t>hello</a:t>
+            </a:r>
+            <a:r>
+              <a:rPr lang="en-US" altLang="zh-CN" sz="2400" dirty="0" smtClean="0">
+                <a:solidFill>
+                  <a:schemeClr val="tx1">
+                    <a:lumMod val="75000"/>
+                    <a:lumOff val="25000"/>
+                  </a:schemeClr>
+                </a:solidFill>
+                <a:latin typeface="微软雅黑" pitchFamily="34" charset="-122"/>
+                <a:ea typeface="微软雅黑" pitchFamily="34" charset="-122"/>
+              </a:rPr>
+              <a:t>;</a:t>
+            </a:r>
+          </a:p>
+          <a:p>
+            <a:pPr>
+              <a:lnSpc>
+                <a:spcPct val="150000"/>
+              </a:lnSpc>
+            </a:pPr>
+            <a:r>
+              <a:rPr lang="en-US" altLang="zh-CN" sz="2400" dirty="0">
+                <a:solidFill>
+                  <a:schemeClr val="tx1">
+                    <a:lumMod val="75000"/>
+                    <a:lumOff val="25000"/>
+                  </a:schemeClr>
+                </a:solidFill>
+                <a:latin typeface="微软雅黑" pitchFamily="34" charset="-122"/>
+                <a:ea typeface="微软雅黑" pitchFamily="34" charset="-122"/>
+              </a:rPr>
+              <a:t>h</a:t>
+            </a:r>
+            <a:r>
+              <a:rPr lang="en-US" altLang="zh-CN" sz="2400" dirty="0" smtClean="0">
+                <a:solidFill>
+                  <a:schemeClr val="tx1">
+                    <a:lumMod val="75000"/>
+                    <a:lumOff val="25000"/>
+                  </a:schemeClr>
+                </a:solidFill>
+                <a:latin typeface="微软雅黑" pitchFamily="34" charset="-122"/>
+                <a:ea typeface="微软雅黑" pitchFamily="34" charset="-122"/>
+              </a:rPr>
+              <a:t>1{ color:</a:t>
+            </a:r>
+            <a:r>
+              <a:rPr lang="en-US" altLang="zh-CN" sz="2400" b="1" dirty="0" smtClean="0">
+                <a:solidFill>
+                  <a:schemeClr val="tx1">
+                    <a:lumMod val="75000"/>
+                    <a:lumOff val="25000"/>
+                  </a:schemeClr>
+                </a:solidFill>
+                <a:latin typeface="微软雅黑" pitchFamily="34" charset="-122"/>
+                <a:ea typeface="微软雅黑" pitchFamily="34" charset="-122"/>
+              </a:rPr>
+              <a:t>@@</a:t>
+            </a:r>
+            <a:r>
+              <a:rPr lang="en-US" altLang="zh-CN" sz="2400" dirty="0" err="1" smtClean="0">
+                <a:solidFill>
+                  <a:srgbClr val="00B0F0"/>
+                </a:solidFill>
+                <a:latin typeface="微软雅黑" pitchFamily="34" charset="-122"/>
+                <a:ea typeface="微软雅黑" pitchFamily="34" charset="-122"/>
+              </a:rPr>
+              <a:t>helloless</a:t>
+            </a:r>
+            <a:r>
+              <a:rPr lang="en-US" altLang="zh-CN" sz="2400" dirty="0" smtClean="0">
+                <a:solidFill>
+                  <a:schemeClr val="tx1">
+                    <a:lumMod val="75000"/>
+                    <a:lumOff val="25000"/>
+                  </a:schemeClr>
+                </a:solidFill>
+                <a:latin typeface="微软雅黑" pitchFamily="34" charset="-122"/>
+                <a:ea typeface="微软雅黑" pitchFamily="34" charset="-122"/>
+              </a:rPr>
+              <a:t>;}</a:t>
+            </a:r>
+          </a:p>
+          <a:p>
+            <a:pPr>
+              <a:lnSpc>
+                <a:spcPct val="150000"/>
+              </a:lnSpc>
+            </a:pPr>
+            <a:endParaRPr lang="en-US" altLang="zh-CN" sz="2400" dirty="0" smtClean="0">
+              <a:solidFill>
+                <a:schemeClr val="tx1">
+                  <a:lumMod val="75000"/>
+                  <a:lumOff val="25000"/>
+                </a:schemeClr>
+              </a:solidFill>
+              <a:latin typeface="微软雅黑" pitchFamily="34" charset="-122"/>
+              <a:ea typeface="微软雅黑" pitchFamily="34" charset="-122"/>
+            </a:endParaRPr>
+          </a:p>
+        </p:txBody>
+      </p:sp>
+      <p:sp>
+        <p:nvSpPr>
+          <p:cNvPr id="12" name="右箭头 11"/>
+          <p:cNvSpPr/>
+          <p:nvPr/>
+        </p:nvSpPr>
+        <p:spPr>
+          <a:xfrm>
+            <a:off x="3447120" y="4227815"/>
+            <a:ext cx="576064" cy="762516"/>
+          </a:xfrm>
+          <a:prstGeom prst="rightArrow">
+            <a:avLst/>
+          </a:prstGeom>
+        </p:spPr>
+        <p:style>
+          <a:lnRef idx="1">
+            <a:schemeClr val="accent3"/>
+          </a:lnRef>
+          <a:fillRef idx="3">
+            <a:schemeClr val="accent3"/>
+          </a:fillRef>
+          <a:effectRef idx="2">
+            <a:schemeClr val="accent3"/>
+          </a:effectRef>
+          <a:fontRef idx="minor">
+            <a:schemeClr val="lt1"/>
+          </a:fontRef>
+        </p:style>
+        <p:txBody>
+          <a:bodyPr rtlCol="0" anchor="ctr"/>
+          <a:lstStyle/>
+          <a:p>
+            <a:pPr algn="ctr"/>
+            <a:endParaRPr lang="zh-CN" altLang="en-US"/>
+          </a:p>
+        </p:txBody>
+      </p:sp>
+      <p:pic>
+        <p:nvPicPr>
+          <p:cNvPr id="8" name="图片 7" descr="屏幕剪辑"/>
+          <p:cNvPicPr>
+            <a:picLocks noChangeAspect="1"/>
+          </p:cNvPicPr>
+          <p:nvPr/>
+        </p:nvPicPr>
+        <p:blipFill>
+          <a:blip r:embed="rId2">
+            <a:extLst>
+              <a:ext uri="{28A0092B-C50C-407E-A947-70E740481C1C}">
+                <a14:useLocalDpi xmlns:a14="http://schemas.microsoft.com/office/drawing/2010/main" val="0"/>
+              </a:ext>
+            </a:extLst>
+          </a:blip>
+          <a:stretch>
+            <a:fillRect/>
+          </a:stretch>
+        </p:blipFill>
+        <p:spPr>
+          <a:xfrm>
+            <a:off x="1043608" y="3756466"/>
+            <a:ext cx="2286319" cy="1705213"/>
+          </a:xfrm>
+          <a:prstGeom prst="rect">
+            <a:avLst/>
+          </a:prstGeom>
+          <a:ln>
+            <a:noFill/>
+          </a:ln>
+          <a:effectLst>
+            <a:outerShdw blurRad="292100" dist="139700" dir="2700000" algn="tl" rotWithShape="0">
+              <a:srgbClr val="333333">
+                <a:alpha val="65000"/>
+              </a:srgbClr>
+            </a:outerShdw>
+          </a:effectLst>
+        </p:spPr>
+      </p:pic>
+      <p:pic>
+        <p:nvPicPr>
+          <p:cNvPr id="9" name="图片 8" descr="屏幕剪辑"/>
+          <p:cNvPicPr>
+            <a:picLocks noChangeAspect="1"/>
+          </p:cNvPicPr>
+          <p:nvPr/>
+        </p:nvPicPr>
+        <p:blipFill>
+          <a:blip r:embed="rId3">
+            <a:extLst>
+              <a:ext uri="{28A0092B-C50C-407E-A947-70E740481C1C}">
+                <a14:useLocalDpi xmlns:a14="http://schemas.microsoft.com/office/drawing/2010/main" val="0"/>
+              </a:ext>
+            </a:extLst>
+          </a:blip>
+          <a:stretch>
+            <a:fillRect/>
+          </a:stretch>
+        </p:blipFill>
+        <p:spPr>
+          <a:xfrm>
+            <a:off x="4211960" y="4080360"/>
+            <a:ext cx="2219635" cy="1057423"/>
           </a:xfrm>
           <a:prstGeom prst="rect">
             <a:avLst/>
@@ -5313,7 +6136,7 @@
 </p:sld>
 </file>
 
-<file path=ppt/slides/slide7.xml><?xml version="1.0" encoding="utf-8"?>
+<file path=ppt/slides/slide8.xml><?xml version="1.0" encoding="utf-8"?>
 <p:sld xmlns:a="http://schemas.openxmlformats.org/drawingml/2006/main" xmlns:r="http://schemas.openxmlformats.org/officeDocument/2006/relationships" xmlns:p="http://schemas.openxmlformats.org/presentationml/2006/main">
   <p:cSld>
     <p:spTree>
@@ -5353,6 +6176,19 @@
           <a:lstStyle/>
           <a:p>
             <a:r>
+              <a:rPr lang="en-US" altLang="zh-CN" sz="2800" b="1" dirty="0">
+                <a:solidFill>
+                  <a:schemeClr val="tx1">
+                    <a:lumMod val="75000"/>
+                    <a:lumOff val="25000"/>
+                  </a:schemeClr>
+                </a:solidFill>
+                <a:latin typeface="微软雅黑" pitchFamily="34" charset="-122"/>
+                <a:ea typeface="微软雅黑" pitchFamily="34" charset="-122"/>
+              </a:rPr>
+              <a:t>6</a:t>
+            </a:r>
+            <a:r>
               <a:rPr lang="en-US" altLang="zh-CN" sz="2800" b="1" dirty="0" smtClean="0">
                 <a:solidFill>
                   <a:schemeClr val="tx1">
@@ -5363,7 +6199,7 @@
                 <a:latin typeface="微软雅黑" pitchFamily="34" charset="-122"/>
                 <a:ea typeface="微软雅黑" pitchFamily="34" charset="-122"/>
               </a:rPr>
-              <a:t>4.</a:t>
+              <a:t>.</a:t>
             </a:r>
             <a:r>
               <a:rPr lang="zh-CN" altLang="en-US" sz="2800" b="1" dirty="0" smtClean="0">
@@ -5485,33 +6321,7 @@
                 <a:latin typeface="微软雅黑" pitchFamily="34" charset="-122"/>
                 <a:ea typeface="微软雅黑" pitchFamily="34" charset="-122"/>
               </a:rPr>
-              <a:t>如果是由多层嵌套，则从当前层次</a:t>
-            </a:r>
-            <a:r>
-              <a:rPr lang="zh-CN" altLang="en-US" sz="2400" b="1" dirty="0" smtClean="0">
-                <a:solidFill>
-                  <a:schemeClr val="tx1">
-                    <a:lumMod val="75000"/>
-                    <a:lumOff val="25000"/>
-                  </a:schemeClr>
-                </a:solidFill>
-                <a:latin typeface="微软雅黑" pitchFamily="34" charset="-122"/>
-                <a:ea typeface="微软雅黑" pitchFamily="34" charset="-122"/>
-              </a:rPr>
-              <a:t>向上层搜索</a:t>
-            </a:r>
-            <a:r>
-              <a:rPr lang="zh-CN" altLang="en-US" sz="2400" b="1" dirty="0" smtClean="0">
-                <a:solidFill>
-                  <a:schemeClr val="tx1">
-                    <a:lumMod val="75000"/>
-                    <a:lumOff val="25000"/>
-                  </a:schemeClr>
-                </a:solidFill>
-                <a:latin typeface="微软雅黑" pitchFamily="34" charset="-122"/>
-                <a:ea typeface="微软雅黑" pitchFamily="34" charset="-122"/>
-              </a:rPr>
-              <a:t>有效定义！</a:t>
+              <a:t>如果是由多层嵌套，则从当前层次向上层搜索有效定义！</a:t>
             </a:r>
             <a:endParaRPr lang="en-US" altLang="zh-CN" sz="2400" b="1" dirty="0" smtClean="0">
               <a:solidFill>
@@ -5682,7 +6492,7 @@
       </p:sp>
       <p:pic>
         <p:nvPicPr>
-          <p:cNvPr id="5" name="图片 4" descr="屏幕剪辑"/>
+          <p:cNvPr id="3" name="图片 2" descr="屏幕剪辑"/>
           <p:cNvPicPr>
             <a:picLocks noChangeAspect="1"/>
           </p:cNvPicPr>
@@ -5702,8 +6512,8 @@
         </p:blipFill>
         <p:spPr>
           <a:xfrm>
-            <a:off x="827584" y="4469056"/>
-            <a:ext cx="2972215" cy="1810003"/>
+            <a:off x="1115616" y="4653136"/>
+            <a:ext cx="2143424" cy="1724266"/>
           </a:xfrm>
           <a:prstGeom prst="rect">
             <a:avLst/>
@@ -5722,7 +6532,7 @@
       </p:pic>
       <p:pic>
         <p:nvPicPr>
-          <p:cNvPr id="6" name="图片 5" descr="屏幕剪辑"/>
+          <p:cNvPr id="7" name="图片 6" descr="屏幕剪辑"/>
           <p:cNvPicPr>
             <a:picLocks noChangeAspect="1"/>
           </p:cNvPicPr>
@@ -5742,24 +6552,52 @@
         </p:blipFill>
         <p:spPr>
           <a:xfrm>
-            <a:off x="4139952" y="4442412"/>
-            <a:ext cx="2353003" cy="1057423"/>
+            <a:off x="4211960" y="4981794"/>
+            <a:ext cx="2238687" cy="1066949"/>
           </a:xfrm>
           <a:prstGeom prst="rect">
             <a:avLst/>
           </a:prstGeom>
-          <a:ln>
-            <a:noFill/>
-          </a:ln>
-          <a:effectLst>
-            <a:outerShdw blurRad="292100" dist="139700" dir="2700000" algn="tl" rotWithShape="0">
-              <a:srgbClr val="333333">
-                <a:alpha val="65000"/>
-              </a:srgbClr>
-            </a:outerShdw>
-          </a:effectLst>
         </p:spPr>
       </p:pic>
+      <p:sp>
+        <p:nvSpPr>
+          <p:cNvPr id="8" name="右箭头 7"/>
+          <p:cNvSpPr/>
+          <p:nvPr/>
+        </p:nvSpPr>
+        <p:spPr>
+          <a:xfrm>
+            <a:off x="3496537" y="5134010"/>
+            <a:ext cx="576064" cy="762516"/>
+          </a:xfrm>
+          <a:prstGeom prst="rightArrow">
+            <a:avLst/>
+          </a:prstGeom>
+        </p:spPr>
+        <p:style>
+          <a:lnRef idx="1">
+            <a:schemeClr val="accent3"/>
+          </a:lnRef>
+          <a:fillRef idx="3">
+            <a:schemeClr val="accent3"/>
+          </a:fillRef>
+          <a:effectRef idx="2">
+            <a:schemeClr val="accent3"/>
+          </a:effectRef>
+          <a:fontRef idx="minor">
+            <a:schemeClr val="lt1"/>
+          </a:fontRef>
+        </p:style>
+        <p:txBody>
+          <a:bodyPr rtlCol="0" anchor="ctr"/>
+          <a:lstStyle/>
+          <a:p>
+            <a:pPr algn="ctr"/>
+            <a:endParaRPr lang="zh-CN" altLang="en-US"/>
+          </a:p>
+        </p:txBody>
+      </p:sp>
     </p:spTree>
     <p:extLst>
       <p:ext uri="{BB962C8B-B14F-4D97-AF65-F5344CB8AC3E}">
@@ -5780,7 +6618,7 @@
 </p:sld>
 </file>
 
-<file path=ppt/slides/slide8.xml><?xml version="1.0" encoding="utf-8"?>
+<file path=ppt/slides/slide9.xml><?xml version="1.0" encoding="utf-8"?>
 <p:sld xmlns:a="http://schemas.openxmlformats.org/drawingml/2006/main" xmlns:r="http://schemas.openxmlformats.org/officeDocument/2006/relationships" xmlns:p="http://schemas.openxmlformats.org/presentationml/2006/main">
   <p:cSld>
     <p:spTree>
@@ -5830,7 +6668,7 @@
                 <a:latin typeface="微软雅黑" pitchFamily="34" charset="-122"/>
                 <a:ea typeface="微软雅黑" pitchFamily="34" charset="-122"/>
               </a:rPr>
-              <a:t>5.</a:t>
+              <a:t>7.</a:t>
             </a:r>
             <a:r>
               <a:rPr lang="zh-CN" altLang="en-US" sz="2800" b="1" dirty="0" smtClean="0">
@@ -5893,7 +6731,7 @@
         <p:spPr>
           <a:xfrm>
             <a:off x="684000" y="1052736"/>
-            <a:ext cx="7776000" cy="3970318"/>
+            <a:ext cx="7776000" cy="1689052"/>
           </a:xfrm>
           <a:prstGeom prst="rect">
             <a:avLst/>
@@ -6039,145 +6877,48 @@
               <a:ea typeface="微软雅黑" pitchFamily="34" charset="-122"/>
             </a:endParaRPr>
           </a:p>
-          <a:p>
-            <a:pPr>
-              <a:lnSpc>
-                <a:spcPct val="150000"/>
-              </a:lnSpc>
-            </a:pPr>
-            <a:r>
-              <a:rPr lang="en-US" altLang="zh-CN" sz="2400" dirty="0">
-                <a:solidFill>
-                  <a:schemeClr val="tx1">
-                    <a:lumMod val="75000"/>
-                    <a:lumOff val="25000"/>
-                  </a:schemeClr>
-                </a:solidFill>
-                <a:latin typeface="微软雅黑" pitchFamily="34" charset="-122"/>
-                <a:ea typeface="微软雅黑" pitchFamily="34" charset="-122"/>
-              </a:rPr>
-              <a:t>h</a:t>
-            </a:r>
-            <a:r>
-              <a:rPr lang="en-US" altLang="zh-CN" sz="2400" dirty="0" smtClean="0">
-                <a:solidFill>
-                  <a:schemeClr val="tx1">
-                    <a:lumMod val="75000"/>
-                    <a:lumOff val="25000"/>
-                  </a:schemeClr>
-                </a:solidFill>
-                <a:latin typeface="微软雅黑" pitchFamily="34" charset="-122"/>
-                <a:ea typeface="微软雅黑" pitchFamily="34" charset="-122"/>
-              </a:rPr>
-              <a:t>2{</a:t>
-            </a:r>
-            <a:br>
-              <a:rPr lang="en-US" altLang="zh-CN" sz="2400" dirty="0" smtClean="0">
-                <a:solidFill>
-                  <a:schemeClr val="tx1">
-                    <a:lumMod val="75000"/>
-                    <a:lumOff val="25000"/>
-                  </a:schemeClr>
-                </a:solidFill>
-                <a:latin typeface="微软雅黑" pitchFamily="34" charset="-122"/>
-                <a:ea typeface="微软雅黑" pitchFamily="34" charset="-122"/>
-              </a:rPr>
-            </a:br>
-            <a:r>
-              <a:rPr lang="en-US" altLang="zh-CN" sz="2400" dirty="0" smtClean="0">
-                <a:solidFill>
-                  <a:schemeClr val="tx1">
-                    <a:lumMod val="75000"/>
-                    <a:lumOff val="25000"/>
-                  </a:schemeClr>
-                </a:solidFill>
-                <a:latin typeface="微软雅黑" pitchFamily="34" charset="-122"/>
-                <a:ea typeface="微软雅黑" pitchFamily="34" charset="-122"/>
-              </a:rPr>
-              <a:t>	</a:t>
-            </a:r>
-            <a:r>
-              <a:rPr lang="en-US" altLang="zh-CN" sz="2400" dirty="0" err="1" smtClean="0">
-                <a:solidFill>
-                  <a:schemeClr val="tx1">
-                    <a:lumMod val="75000"/>
-                    <a:lumOff val="25000"/>
-                  </a:schemeClr>
-                </a:solidFill>
-                <a:latin typeface="微软雅黑" pitchFamily="34" charset="-122"/>
-                <a:ea typeface="微软雅黑" pitchFamily="34" charset="-122"/>
-              </a:rPr>
-              <a:t>color:red</a:t>
-            </a:r>
-            <a:r>
-              <a:rPr lang="en-US" altLang="zh-CN" sz="2400" dirty="0" smtClean="0">
-                <a:solidFill>
-                  <a:schemeClr val="tx1">
-                    <a:lumMod val="75000"/>
-                    <a:lumOff val="25000"/>
-                  </a:schemeClr>
-                </a:solidFill>
-                <a:latin typeface="微软雅黑" pitchFamily="34" charset="-122"/>
-                <a:ea typeface="微软雅黑" pitchFamily="34" charset="-122"/>
-              </a:rPr>
-              <a:t>;</a:t>
-            </a:r>
-          </a:p>
-          <a:p>
-            <a:pPr>
-              <a:lnSpc>
-                <a:spcPct val="150000"/>
-              </a:lnSpc>
-            </a:pPr>
-            <a:r>
-              <a:rPr lang="en-US" altLang="zh-CN" sz="2400" dirty="0">
-                <a:solidFill>
-                  <a:schemeClr val="tx1">
-                    <a:lumMod val="75000"/>
-                    <a:lumOff val="25000"/>
-                  </a:schemeClr>
-                </a:solidFill>
-                <a:latin typeface="微软雅黑" pitchFamily="34" charset="-122"/>
-                <a:ea typeface="微软雅黑" pitchFamily="34" charset="-122"/>
-              </a:rPr>
-              <a:t>	</a:t>
-            </a:r>
-            <a:r>
-              <a:rPr lang="en-US" altLang="zh-CN" sz="2400" dirty="0" smtClean="0">
-                <a:solidFill>
-                  <a:schemeClr val="tx1">
-                    <a:lumMod val="75000"/>
-                    <a:lumOff val="25000"/>
-                  </a:schemeClr>
-                </a:solidFill>
-                <a:latin typeface="微软雅黑" pitchFamily="34" charset="-122"/>
-                <a:ea typeface="微软雅黑" pitchFamily="34" charset="-122"/>
-              </a:rPr>
-              <a:t>border:$color 1ps solid;</a:t>
-            </a:r>
-          </a:p>
-          <a:p>
-            <a:pPr>
-              <a:lnSpc>
-                <a:spcPct val="150000"/>
-              </a:lnSpc>
-            </a:pPr>
-            <a:r>
-              <a:rPr lang="en-US" altLang="zh-CN" sz="2400" dirty="0" smtClean="0">
-                <a:solidFill>
-                  <a:schemeClr val="tx1">
-                    <a:lumMod val="75000"/>
-                    <a:lumOff val="25000"/>
-                  </a:schemeClr>
-                </a:solidFill>
-                <a:latin typeface="微软雅黑" pitchFamily="34" charset="-122"/>
-                <a:ea typeface="微软雅黑" pitchFamily="34" charset="-122"/>
-              </a:rPr>
-              <a:t>}</a:t>
-            </a:r>
-          </a:p>
-        </p:txBody>
-      </p:sp>
+        </p:txBody>
+      </p:sp>
+      <p:pic>
+        <p:nvPicPr>
+          <p:cNvPr id="3" name="图片 2" descr="屏幕剪辑"/>
+          <p:cNvPicPr>
+            <a:picLocks noChangeAspect="1"/>
+          </p:cNvPicPr>
+          <p:nvPr/>
+        </p:nvPicPr>
+        <p:blipFill>
+          <a:blip r:embed="rId2">
+            <a:extLst>
+              <a:ext uri="{28A0092B-C50C-407E-A947-70E740481C1C}">
+                <a14:useLocalDpi xmlns:a14="http://schemas.microsoft.com/office/drawing/2010/main" val="0"/>
+              </a:ext>
+            </a:extLst>
+          </a:blip>
+          <a:stretch>
+            <a:fillRect/>
+          </a:stretch>
+        </p:blipFill>
+        <p:spPr>
+          <a:xfrm>
+            <a:off x="1979712" y="3068960"/>
+            <a:ext cx="3477110" cy="1724266"/>
+          </a:xfrm>
+          <a:prstGeom prst="rect">
+            <a:avLst/>
+          </a:prstGeom>
+          <a:ln>
+            <a:noFill/>
+          </a:ln>
+          <a:effectLst>
+            <a:outerShdw blurRad="292100" dist="139700" dir="2700000" algn="tl" rotWithShape="0">
+              <a:srgbClr val="333333">
+                <a:alpha val="65000"/>
+              </a:srgbClr>
+            </a:outerShdw>
+          </a:effectLst>
+        </p:spPr>
+      </p:pic>
     </p:spTree>
     <p:extLst>
       <p:ext uri="{BB962C8B-B14F-4D97-AF65-F5344CB8AC3E}">
@@ -6738,7 +7479,7 @@
   <a:extraClrSchemeLst/>
   <a:extLst>
     <a:ext uri="{05A4C25C-085E-4340-85A3-A5531E510DB2}">
-      <thm15:themeFamily xmlns:thm15="http://schemas.microsoft.com/office/thememl/2012/main" xmlns="" name="Office Theme" id="{62F939B6-93AF-4DB8-9C6B-D6C7DFDC589F}" vid="{4A3C46E8-61CC-4603-A589-7422A47A8E4A}"/>
+      <thm15:themeFamily xmlns="" xmlns:thm15="http://schemas.microsoft.com/office/thememl/2012/main" name="Office Theme" id="{62F939B6-93AF-4DB8-9C6B-D6C7DFDC589F}" vid="{4A3C46E8-61CC-4603-A589-7422A47A8E4A}"/>
     </a:ext>
   </a:extLst>
 </a:theme>

--- a/less-2-变量.pptx
+++ b/less-2-变量.pptx
@@ -118,7 +118,7 @@
   </p:defaultTextStyle>
   <p:extLst>
     <p:ext uri="{EFAFB233-063F-42B5-8137-9DF3F51BA10A}">
-      <p15:sldGuideLst xmlns="" xmlns:p15="http://schemas.microsoft.com/office/powerpoint/2012/main">
+      <p15:sldGuideLst xmlns:p15="http://schemas.microsoft.com/office/powerpoint/2012/main" xmlns="">
         <p15:guide id="1" orient="horz" pos="2160">
           <p15:clr>
             <a:srgbClr val="A4A3A4"/>
@@ -217,7 +217,7 @@
           <a:p>
             <a:fld id="{918C987C-5DAD-4601-B625-55A3208473B0}" type="datetimeFigureOut">
               <a:rPr lang="zh-CN" altLang="en-US" smtClean="0"/>
-              <a:t>2018/12/11</a:t>
+              <a:t>2018/12/14</a:t>
             </a:fld>
             <a:endParaRPr lang="zh-CN" altLang="en-US"/>
           </a:p>
@@ -666,7 +666,7 @@
           <a:p>
             <a:fld id="{17C7C8FB-1C37-4023-AA22-09D5A8E13DCF}" type="datetimeFigureOut">
               <a:rPr lang="zh-CN" altLang="en-US" smtClean="0"/>
-              <a:t>2018/12/11</a:t>
+              <a:t>2018/12/14</a:t>
             </a:fld>
             <a:endParaRPr lang="zh-CN" altLang="en-US"/>
           </a:p>
@@ -836,7 +836,7 @@
           <a:p>
             <a:fld id="{17C7C8FB-1C37-4023-AA22-09D5A8E13DCF}" type="datetimeFigureOut">
               <a:rPr lang="zh-CN" altLang="en-US" smtClean="0"/>
-              <a:t>2018/12/11</a:t>
+              <a:t>2018/12/14</a:t>
             </a:fld>
             <a:endParaRPr lang="zh-CN" altLang="en-US"/>
           </a:p>
@@ -1016,7 +1016,7 @@
           <a:p>
             <a:fld id="{17C7C8FB-1C37-4023-AA22-09D5A8E13DCF}" type="datetimeFigureOut">
               <a:rPr lang="zh-CN" altLang="en-US" smtClean="0"/>
-              <a:t>2018/12/11</a:t>
+              <a:t>2018/12/14</a:t>
             </a:fld>
             <a:endParaRPr lang="zh-CN" altLang="en-US"/>
           </a:p>
@@ -1186,7 +1186,7 @@
           <a:p>
             <a:fld id="{17C7C8FB-1C37-4023-AA22-09D5A8E13DCF}" type="datetimeFigureOut">
               <a:rPr lang="zh-CN" altLang="en-US" smtClean="0"/>
-              <a:t>2018/12/11</a:t>
+              <a:t>2018/12/14</a:t>
             </a:fld>
             <a:endParaRPr lang="zh-CN" altLang="en-US"/>
           </a:p>
@@ -1432,7 +1432,7 @@
           <a:p>
             <a:fld id="{17C7C8FB-1C37-4023-AA22-09D5A8E13DCF}" type="datetimeFigureOut">
               <a:rPr lang="zh-CN" altLang="en-US" smtClean="0"/>
-              <a:t>2018/12/11</a:t>
+              <a:t>2018/12/14</a:t>
             </a:fld>
             <a:endParaRPr lang="zh-CN" altLang="en-US"/>
           </a:p>
@@ -1720,7 +1720,7 @@
           <a:p>
             <a:fld id="{17C7C8FB-1C37-4023-AA22-09D5A8E13DCF}" type="datetimeFigureOut">
               <a:rPr lang="zh-CN" altLang="en-US" smtClean="0"/>
-              <a:t>2018/12/11</a:t>
+              <a:t>2018/12/14</a:t>
             </a:fld>
             <a:endParaRPr lang="zh-CN" altLang="en-US"/>
           </a:p>
@@ -2142,7 +2142,7 @@
           <a:p>
             <a:fld id="{17C7C8FB-1C37-4023-AA22-09D5A8E13DCF}" type="datetimeFigureOut">
               <a:rPr lang="zh-CN" altLang="en-US" smtClean="0"/>
-              <a:t>2018/12/11</a:t>
+              <a:t>2018/12/14</a:t>
             </a:fld>
             <a:endParaRPr lang="zh-CN" altLang="en-US"/>
           </a:p>
@@ -2260,7 +2260,7 @@
           <a:p>
             <a:fld id="{17C7C8FB-1C37-4023-AA22-09D5A8E13DCF}" type="datetimeFigureOut">
               <a:rPr lang="zh-CN" altLang="en-US" smtClean="0"/>
-              <a:t>2018/12/11</a:t>
+              <a:t>2018/12/14</a:t>
             </a:fld>
             <a:endParaRPr lang="zh-CN" altLang="en-US"/>
           </a:p>
@@ -2355,7 +2355,7 @@
           <a:p>
             <a:fld id="{17C7C8FB-1C37-4023-AA22-09D5A8E13DCF}" type="datetimeFigureOut">
               <a:rPr lang="zh-CN" altLang="en-US" smtClean="0"/>
-              <a:t>2018/12/11</a:t>
+              <a:t>2018/12/14</a:t>
             </a:fld>
             <a:endParaRPr lang="zh-CN" altLang="en-US"/>
           </a:p>
@@ -2632,7 +2632,7 @@
           <a:p>
             <a:fld id="{17C7C8FB-1C37-4023-AA22-09D5A8E13DCF}" type="datetimeFigureOut">
               <a:rPr lang="zh-CN" altLang="en-US" smtClean="0"/>
-              <a:t>2018/12/11</a:t>
+              <a:t>2018/12/14</a:t>
             </a:fld>
             <a:endParaRPr lang="zh-CN" altLang="en-US"/>
           </a:p>
@@ -2885,7 +2885,7 @@
           <a:p>
             <a:fld id="{17C7C8FB-1C37-4023-AA22-09D5A8E13DCF}" type="datetimeFigureOut">
               <a:rPr lang="zh-CN" altLang="en-US" smtClean="0"/>
-              <a:t>2018/12/11</a:t>
+              <a:t>2018/12/14</a:t>
             </a:fld>
             <a:endParaRPr lang="zh-CN" altLang="en-US"/>
           </a:p>
@@ -3098,7 +3098,7 @@
           <a:p>
             <a:fld id="{17C7C8FB-1C37-4023-AA22-09D5A8E13DCF}" type="datetimeFigureOut">
               <a:rPr lang="zh-CN" altLang="en-US" smtClean="0"/>
-              <a:t>2018/12/11</a:t>
+              <a:t>2018/12/14</a:t>
             </a:fld>
             <a:endParaRPr lang="zh-CN" altLang="en-US"/>
           </a:p>
@@ -3689,20 +3689,7 @@
                 <a:latin typeface="微软雅黑" pitchFamily="34" charset="-122"/>
                 <a:ea typeface="微软雅黑" pitchFamily="34" charset="-122"/>
               </a:rPr>
-              <a:t>8</a:t>
-            </a:r>
-            <a:r>
-              <a:rPr lang="en-US" altLang="zh-CN" sz="2800" b="1" dirty="0" smtClean="0">
-                <a:solidFill>
-                  <a:schemeClr val="tx1">
-                    <a:lumMod val="75000"/>
-                    <a:lumOff val="25000"/>
-                  </a:schemeClr>
-                </a:solidFill>
-                <a:latin typeface="微软雅黑" pitchFamily="34" charset="-122"/>
-                <a:ea typeface="微软雅黑" pitchFamily="34" charset="-122"/>
-              </a:rPr>
-              <a:t>.</a:t>
+              <a:t>8.</a:t>
             </a:r>
             <a:r>
               <a:rPr lang="zh-CN" altLang="en-US" sz="2800" b="1" dirty="0" smtClean="0">
@@ -3879,20 +3866,7 @@
                 <a:latin typeface="微软雅黑" pitchFamily="34" charset="-122"/>
                 <a:ea typeface="微软雅黑" pitchFamily="34" charset="-122"/>
               </a:rPr>
-              <a:t>”</a:t>
-            </a:r>
-            <a:r>
-              <a:rPr lang="zh-CN" altLang="en-US" sz="2400" dirty="0" smtClean="0">
-                <a:solidFill>
-                  <a:schemeClr val="tx1">
-                    <a:lumMod val="75000"/>
-                    <a:lumOff val="25000"/>
-                  </a:schemeClr>
-                </a:solidFill>
-                <a:latin typeface="微软雅黑" pitchFamily="34" charset="-122"/>
-                <a:ea typeface="微软雅黑" pitchFamily="34" charset="-122"/>
-              </a:rPr>
-              <a:t>或</a:t>
+              <a:t>”或</a:t>
             </a:r>
             <a:r>
               <a:rPr lang="en-US" altLang="zh-CN" sz="2400" dirty="0" smtClean="0">
@@ -3907,16 +3881,6 @@
               </a:rPr>
               <a:t>~’anything’</a:t>
             </a:r>
-            <a:endParaRPr lang="en-US" altLang="zh-CN" sz="2400" dirty="0" smtClean="0">
-              <a:solidFill>
-                <a:schemeClr val="tx1">
-                  <a:lumMod val="75000"/>
-                  <a:lumOff val="25000"/>
-                </a:schemeClr>
-              </a:solidFill>
-              <a:latin typeface="微软雅黑" pitchFamily="34" charset="-122"/>
-              <a:ea typeface="微软雅黑" pitchFamily="34" charset="-122"/>
-            </a:endParaRPr>
           </a:p>
         </p:txBody>
       </p:sp>
@@ -4274,6 +4238,65 @@
           </a:p>
         </p:txBody>
       </p:sp>
+      <p:sp>
+        <p:nvSpPr>
+          <p:cNvPr id="14" name="圆角矩形标注 13"/>
+          <p:cNvSpPr/>
+          <p:nvPr/>
+        </p:nvSpPr>
+        <p:spPr>
+          <a:xfrm>
+            <a:off x="5940152" y="5350811"/>
+            <a:ext cx="1944216" cy="454453"/>
+          </a:xfrm>
+          <a:prstGeom prst="wedgeRoundRectCallout">
+            <a:avLst>
+              <a:gd name="adj1" fmla="val -16327"/>
+              <a:gd name="adj2" fmla="val 81073"/>
+              <a:gd name="adj3" fmla="val 16667"/>
+            </a:avLst>
+          </a:prstGeom>
+        </p:spPr>
+        <p:style>
+          <a:lnRef idx="2">
+            <a:schemeClr val="accent5"/>
+          </a:lnRef>
+          <a:fillRef idx="1">
+            <a:schemeClr val="lt1"/>
+          </a:fillRef>
+          <a:effectRef idx="0">
+            <a:schemeClr val="accent5"/>
+          </a:effectRef>
+          <a:fontRef idx="minor">
+            <a:schemeClr val="dk1"/>
+          </a:fontRef>
+        </p:style>
+        <p:txBody>
+          <a:bodyPr rtlCol="0" anchor="ctr"/>
+          <a:lstStyle/>
+          <a:p>
+            <a:pPr algn="ctr"/>
+            <a:r>
+              <a:rPr lang="en-US" altLang="zh-CN" dirty="0" smtClean="0">
+                <a:latin typeface="微软雅黑" pitchFamily="34" charset="-122"/>
+                <a:ea typeface="微软雅黑" pitchFamily="34" charset="-122"/>
+              </a:rPr>
+              <a:t> </a:t>
+            </a:r>
+            <a:r>
+              <a:rPr lang="zh-CN" altLang="en-US" dirty="0" smtClean="0">
+                <a:latin typeface="微软雅黑" pitchFamily="34" charset="-122"/>
+                <a:ea typeface="微软雅黑" pitchFamily="34" charset="-122"/>
+              </a:rPr>
+              <a:t>编译后的结果</a:t>
+            </a:r>
+            <a:endParaRPr lang="zh-CN" altLang="en-US" dirty="0">
+              <a:latin typeface="微软雅黑" pitchFamily="34" charset="-122"/>
+              <a:ea typeface="微软雅黑" pitchFamily="34" charset="-122"/>
+            </a:endParaRPr>
+          </a:p>
+        </p:txBody>
+      </p:sp>
     </p:spTree>
     <p:extLst>
       <p:ext uri="{BB962C8B-B14F-4D97-AF65-F5344CB8AC3E}">
@@ -4509,7 +4532,33 @@
                 <a:latin typeface="微软雅黑" pitchFamily="34" charset="-122"/>
                 <a:ea typeface="微软雅黑" pitchFamily="34" charset="-122"/>
               </a:rPr>
-              <a:t>可用连字符，在后续样式中可直接拿来用，也可和数值进行运算变成新的变量或属性值，并可重复使用！</a:t>
+              <a:t>可用连字符，</a:t>
+            </a:r>
+            <a:r>
+              <a:rPr lang="zh-CN" altLang="en-US" sz="2400" dirty="0" smtClean="0">
+                <a:solidFill>
+                  <a:schemeClr val="tx1">
+                    <a:lumMod val="75000"/>
+                    <a:lumOff val="25000"/>
+                  </a:schemeClr>
+                </a:solidFill>
+                <a:latin typeface="微软雅黑" pitchFamily="34" charset="-122"/>
+                <a:ea typeface="微软雅黑" pitchFamily="34" charset="-122"/>
+              </a:rPr>
+              <a:t>在样式</a:t>
+            </a:r>
+            <a:r>
+              <a:rPr lang="zh-CN" altLang="en-US" sz="2400" dirty="0" smtClean="0">
+                <a:solidFill>
+                  <a:schemeClr val="tx1">
+                    <a:lumMod val="75000"/>
+                    <a:lumOff val="25000"/>
+                  </a:schemeClr>
+                </a:solidFill>
+                <a:latin typeface="微软雅黑" pitchFamily="34" charset="-122"/>
+                <a:ea typeface="微软雅黑" pitchFamily="34" charset="-122"/>
+              </a:rPr>
+              <a:t>中可直接拿来用，也可和数值进行运算变成新的变量或属性值，并可重复使用！</a:t>
             </a:r>
             <a:endParaRPr lang="en-US" altLang="zh-CN" sz="2400" dirty="0" smtClean="0">
               <a:solidFill>
@@ -4841,6 +4890,65 @@
           </a:p>
         </p:txBody>
       </p:sp>
+      <p:sp>
+        <p:nvSpPr>
+          <p:cNvPr id="6" name="圆角矩形标注 5"/>
+          <p:cNvSpPr/>
+          <p:nvPr/>
+        </p:nvSpPr>
+        <p:spPr>
+          <a:xfrm>
+            <a:off x="5045506" y="4176278"/>
+            <a:ext cx="2970405" cy="454453"/>
+          </a:xfrm>
+          <a:prstGeom prst="wedgeRoundRectCallout">
+            <a:avLst>
+              <a:gd name="adj1" fmla="val -50426"/>
+              <a:gd name="adj2" fmla="val -104658"/>
+              <a:gd name="adj3" fmla="val 16667"/>
+            </a:avLst>
+          </a:prstGeom>
+        </p:spPr>
+        <p:style>
+          <a:lnRef idx="2">
+            <a:schemeClr val="accent5"/>
+          </a:lnRef>
+          <a:fillRef idx="1">
+            <a:schemeClr val="lt1"/>
+          </a:fillRef>
+          <a:effectRef idx="0">
+            <a:schemeClr val="accent5"/>
+          </a:effectRef>
+          <a:fontRef idx="minor">
+            <a:schemeClr val="dk1"/>
+          </a:fontRef>
+        </p:style>
+        <p:txBody>
+          <a:bodyPr rtlCol="0" anchor="ctr"/>
+          <a:lstStyle/>
+          <a:p>
+            <a:pPr algn="ctr"/>
+            <a:r>
+              <a:rPr lang="en-US" altLang="zh-CN" dirty="0" smtClean="0">
+                <a:latin typeface="微软雅黑" pitchFamily="34" charset="-122"/>
+                <a:ea typeface="微软雅黑" pitchFamily="34" charset="-122"/>
+              </a:rPr>
+              <a:t> </a:t>
+            </a:r>
+            <a:r>
+              <a:rPr lang="zh-CN" altLang="en-US" dirty="0" smtClean="0">
+                <a:latin typeface="微软雅黑" pitchFamily="34" charset="-122"/>
+                <a:ea typeface="微软雅黑" pitchFamily="34" charset="-122"/>
+              </a:rPr>
+              <a:t>变量可以进行算术运算</a:t>
+            </a:r>
+            <a:endParaRPr lang="zh-CN" altLang="en-US" dirty="0">
+              <a:latin typeface="微软雅黑" pitchFamily="34" charset="-122"/>
+              <a:ea typeface="微软雅黑" pitchFamily="34" charset="-122"/>
+            </a:endParaRPr>
+          </a:p>
+        </p:txBody>
+      </p:sp>
     </p:spTree>
     <p:extLst>
       <p:ext uri="{BB962C8B-B14F-4D97-AF65-F5344CB8AC3E}">
@@ -4935,72 +5043,6 @@
           </a:p>
         </p:txBody>
       </p:sp>
-      <p:sp>
-        <p:nvSpPr>
-          <p:cNvPr id="2" name="TextBox 1"/>
-          <p:cNvSpPr txBox="1"/>
-          <p:nvPr/>
-        </p:nvSpPr>
-        <p:spPr>
-          <a:xfrm>
-            <a:off x="684000" y="1052736"/>
-            <a:ext cx="7776000" cy="646331"/>
-          </a:xfrm>
-          <a:prstGeom prst="rect">
-            <a:avLst/>
-          </a:prstGeom>
-          <a:noFill/>
-        </p:spPr>
-        <p:txBody>
-          <a:bodyPr wrap="square" rtlCol="0">
-            <a:spAutoFit/>
-          </a:bodyPr>
-          <a:lstStyle/>
-          <a:p>
-            <a:pPr>
-              <a:lnSpc>
-                <a:spcPct val="150000"/>
-              </a:lnSpc>
-            </a:pPr>
-            <a:r>
-              <a:rPr lang="zh-CN" altLang="en-US" sz="2400" dirty="0" smtClean="0">
-                <a:solidFill>
-                  <a:schemeClr val="tx1">
-                    <a:lumMod val="75000"/>
-                    <a:lumOff val="25000"/>
-                  </a:schemeClr>
-                </a:solidFill>
-                <a:latin typeface="微软雅黑" pitchFamily="34" charset="-122"/>
-                <a:ea typeface="微软雅黑" pitchFamily="34" charset="-122"/>
-              </a:rPr>
-              <a:t>定义的变量不仅可以是属性值，也可以用于</a:t>
-            </a:r>
-            <a:r>
-              <a:rPr lang="zh-CN" altLang="en-US" sz="2400" b="1" dirty="0" smtClean="0">
-                <a:solidFill>
-                  <a:schemeClr val="tx1">
-                    <a:lumMod val="75000"/>
-                    <a:lumOff val="25000"/>
-                  </a:schemeClr>
-                </a:solidFill>
-                <a:latin typeface="微软雅黑" pitchFamily="34" charset="-122"/>
-                <a:ea typeface="微软雅黑" pitchFamily="34" charset="-122"/>
-              </a:rPr>
-              <a:t>属性名称</a:t>
-            </a:r>
-            <a:endParaRPr lang="en-US" altLang="zh-CN" sz="2400" b="1" dirty="0" smtClean="0">
-              <a:solidFill>
-                <a:schemeClr val="tx1">
-                  <a:lumMod val="75000"/>
-                  <a:lumOff val="25000"/>
-                </a:schemeClr>
-              </a:solidFill>
-              <a:latin typeface="微软雅黑" pitchFamily="34" charset="-122"/>
-              <a:ea typeface="微软雅黑" pitchFamily="34" charset="-122"/>
-            </a:endParaRPr>
-          </a:p>
-        </p:txBody>
-      </p:sp>
       <p:pic>
         <p:nvPicPr>
           <p:cNvPr id="7" name="图片 6" descr="屏幕剪辑"/>
@@ -5023,7 +5065,7 @@
         </p:blipFill>
         <p:spPr>
           <a:xfrm>
-            <a:off x="1043608" y="2232042"/>
+            <a:off x="1043608" y="1507491"/>
             <a:ext cx="2781688" cy="1886213"/>
           </a:xfrm>
           <a:prstGeom prst="rect">
@@ -5063,7 +5105,7 @@
         </p:blipFill>
         <p:spPr>
           <a:xfrm>
-            <a:off x="5364088" y="2383062"/>
+            <a:off x="5364088" y="1658511"/>
             <a:ext cx="2010056" cy="1076475"/>
           </a:xfrm>
           <a:prstGeom prst="rect">
@@ -5089,7 +5131,7 @@
         </p:nvSpPr>
         <p:spPr>
           <a:xfrm>
-            <a:off x="4175956" y="2650037"/>
+            <a:off x="4175956" y="1925486"/>
             <a:ext cx="792088" cy="762516"/>
           </a:xfrm>
           <a:prstGeom prst="rightArrow">
@@ -5785,7 +5827,20 @@
                 <a:latin typeface="微软雅黑" pitchFamily="34" charset="-122"/>
                 <a:ea typeface="微软雅黑" pitchFamily="34" charset="-122"/>
               </a:rPr>
-              <a:t>我们可以把一个变量的名字用另外一个变量来表示</a:t>
+              <a:t>可以</a:t>
+            </a:r>
+            <a:r>
+              <a:rPr lang="zh-CN" altLang="en-US" sz="2400" dirty="0" smtClean="0">
+                <a:solidFill>
+                  <a:schemeClr val="tx1">
+                    <a:lumMod val="75000"/>
+                    <a:lumOff val="25000"/>
+                  </a:schemeClr>
+                </a:solidFill>
+                <a:latin typeface="微软雅黑" pitchFamily="34" charset="-122"/>
+                <a:ea typeface="微软雅黑" pitchFamily="34" charset="-122"/>
+              </a:rPr>
+              <a:t>把一个变量的名字用另外一个变量来表示</a:t>
             </a:r>
             <a:r>
               <a:rPr lang="en-US" altLang="zh-CN" sz="2400" dirty="0" smtClean="0">
@@ -6558,6 +6613,16 @@
           <a:prstGeom prst="rect">
             <a:avLst/>
           </a:prstGeom>
+          <a:ln>
+            <a:noFill/>
+          </a:ln>
+          <a:effectLst>
+            <a:outerShdw blurRad="292100" dist="139700" dir="2700000" algn="tl" rotWithShape="0">
+              <a:srgbClr val="333333">
+                <a:alpha val="65000"/>
+              </a:srgbClr>
+            </a:outerShdw>
+          </a:effectLst>
         </p:spPr>
       </p:pic>
       <p:sp>
@@ -7479,7 +7544,7 @@
   <a:extraClrSchemeLst/>
   <a:extLst>
     <a:ext uri="{05A4C25C-085E-4340-85A3-A5531E510DB2}">
-      <thm15:themeFamily xmlns="" xmlns:thm15="http://schemas.microsoft.com/office/thememl/2012/main" name="Office Theme" id="{62F939B6-93AF-4DB8-9C6B-D6C7DFDC589F}" vid="{4A3C46E8-61CC-4603-A589-7422A47A8E4A}"/>
+      <thm15:themeFamily xmlns:thm15="http://schemas.microsoft.com/office/thememl/2012/main" xmlns="" name="Office Theme" id="{62F939B6-93AF-4DB8-9C6B-D6C7DFDC589F}" vid="{4A3C46E8-61CC-4603-A589-7422A47A8E4A}"/>
     </a:ext>
   </a:extLst>
 </a:theme>
